--- a/Akshata Seth (2).pptx
+++ b/Akshata Seth (2).pptx
@@ -12,6 +12,7 @@
     <p:sldId id="258" r:id="rId6"/>
     <p:sldId id="259" r:id="rId7"/>
     <p:sldId id="260" r:id="rId8"/>
+    <p:sldId id="263" r:id="rId9"/>
   </p:sldIdLst>
   <p:sldSz cx="12192000" cy="6858000"/>
   <p:notesSz cx="6858000" cy="9144000"/>
@@ -2751,9 +2752,12 @@
 <p:sldMaster xmlns:a="http://schemas.openxmlformats.org/drawingml/2006/main" xmlns:r="http://schemas.openxmlformats.org/officeDocument/2006/relationships" xmlns:p="http://schemas.openxmlformats.org/presentationml/2006/main">
   <p:cSld>
     <p:bg>
-      <p:bgRef idx="1001">
-        <a:schemeClr val="bg1"/>
-      </p:bgRef>
+      <p:bgPr>
+        <a:solidFill>
+          <a:schemeClr val="bg1"/>
+        </a:solidFill>
+        <a:effectLst/>
+      </p:bgPr>
     </p:bg>
     <p:spTree>
       <p:nvGrpSpPr>
@@ -3332,44 +3336,6 @@
           <a:chExt cx="0" cy="0"/>
         </a:xfrm>
       </p:grpSpPr>
-      <p:sp>
-        <p:nvSpPr>
-          <p:cNvPr id="2" name="Title 1">
-            <a:extLst>
-              <a:ext uri="{FF2B5EF4-FFF2-40B4-BE49-F238E27FC236}">
-                <a16:creationId xmlns:a16="http://schemas.microsoft.com/office/drawing/2014/main" id="{43424686-757C-9EE0-C209-7231463EC082}"/>
-              </a:ext>
-            </a:extLst>
-          </p:cNvPr>
-          <p:cNvSpPr>
-            <a:spLocks noGrp="1"/>
-          </p:cNvSpPr>
-          <p:nvPr>
-            <p:ph type="title"/>
-          </p:nvPr>
-        </p:nvSpPr>
-        <p:spPr>
-          <a:xfrm>
-            <a:off x="1329813" y="540552"/>
-            <a:ext cx="10515600" cy="1325563"/>
-          </a:xfrm>
-        </p:spPr>
-        <p:txBody>
-          <a:bodyPr/>
-          <a:lstStyle/>
-          <a:p>
-            <a:endParaRPr lang="en-IN" b="1" dirty="0">
-              <a:solidFill>
-                <a:srgbClr val="FA4616"/>
-              </a:solidFill>
-              <a:highlight>
-                <a:srgbClr val="FFFFFF"/>
-              </a:highlight>
-              <a:latin typeface="HCo Gotham SSm"/>
-            </a:endParaRPr>
-          </a:p>
-        </p:txBody>
-      </p:sp>
       <p:pic>
         <p:nvPicPr>
           <p:cNvPr id="6" name="Content Placeholder 5">
@@ -3394,8 +3360,8 @@
         </p:blipFill>
         <p:spPr>
           <a:xfrm>
-            <a:off x="4159571" y="2662306"/>
-            <a:ext cx="3460428" cy="1248919"/>
+            <a:off x="3571875" y="1956454"/>
+            <a:ext cx="5048250" cy="1821987"/>
           </a:xfrm>
         </p:spPr>
       </p:pic>
@@ -3413,180 +3379,6 @@
 </file>
 
 <file path=ppt/slides/slide2.xml><?xml version="1.0" encoding="utf-8"?>
-<p:sld xmlns:a="http://schemas.openxmlformats.org/drawingml/2006/main" xmlns:r="http://schemas.openxmlformats.org/officeDocument/2006/relationships" xmlns:p="http://schemas.openxmlformats.org/presentationml/2006/main">
-  <p:cSld>
-    <p:spTree>
-      <p:nvGrpSpPr>
-        <p:cNvPr id="1" name=""/>
-        <p:cNvGrpSpPr/>
-        <p:nvPr/>
-      </p:nvGrpSpPr>
-      <p:grpSpPr>
-        <a:xfrm>
-          <a:off x="0" y="0"/>
-          <a:ext cx="0" cy="0"/>
-          <a:chOff x="0" y="0"/>
-          <a:chExt cx="0" cy="0"/>
-        </a:xfrm>
-      </p:grpSpPr>
-      <p:sp>
-        <p:nvSpPr>
-          <p:cNvPr id="2" name="Title 1">
-            <a:extLst>
-              <a:ext uri="{FF2B5EF4-FFF2-40B4-BE49-F238E27FC236}">
-                <a16:creationId xmlns:a16="http://schemas.microsoft.com/office/drawing/2014/main" id="{CA2C31F8-9972-91C8-15F8-E09B4083B068}"/>
-              </a:ext>
-            </a:extLst>
-          </p:cNvPr>
-          <p:cNvSpPr>
-            <a:spLocks noGrp="1"/>
-          </p:cNvSpPr>
-          <p:nvPr>
-            <p:ph type="title"/>
-          </p:nvPr>
-        </p:nvSpPr>
-        <p:spPr/>
-        <p:txBody>
-          <a:bodyPr/>
-          <a:lstStyle/>
-          <a:p>
-            <a:r>
-              <a:rPr lang="en-US" b="1" dirty="0">
-                <a:solidFill>
-                  <a:srgbClr val="FA4616"/>
-                </a:solidFill>
-                <a:highlight>
-                  <a:srgbClr val="FFFFFF"/>
-                </a:highlight>
-                <a:latin typeface="HCo Gotham SSm"/>
-              </a:rPr>
-              <a:t>Introduction</a:t>
-            </a:r>
-            <a:endParaRPr lang="en-IN" dirty="0"/>
-          </a:p>
-        </p:txBody>
-      </p:sp>
-      <p:sp>
-        <p:nvSpPr>
-          <p:cNvPr id="3" name="Content Placeholder 2">
-            <a:extLst>
-              <a:ext uri="{FF2B5EF4-FFF2-40B4-BE49-F238E27FC236}">
-                <a16:creationId xmlns:a16="http://schemas.microsoft.com/office/drawing/2014/main" id="{87E3FE75-C11C-10A9-EC2E-7279D87BFBEE}"/>
-              </a:ext>
-            </a:extLst>
-          </p:cNvPr>
-          <p:cNvSpPr>
-            <a:spLocks noGrp="1"/>
-          </p:cNvSpPr>
-          <p:nvPr>
-            <p:ph idx="1"/>
-          </p:nvPr>
-        </p:nvSpPr>
-        <p:spPr>
-          <a:xfrm>
-            <a:off x="840658" y="1455174"/>
-            <a:ext cx="10515600" cy="4554640"/>
-          </a:xfrm>
-        </p:spPr>
-        <p:txBody>
-          <a:bodyPr/>
-          <a:lstStyle/>
-          <a:p>
-            <a:pPr marL="0" indent="0">
-              <a:buNone/>
-            </a:pPr>
-            <a:r>
-              <a:rPr lang="en-IN" sz="2000" dirty="0">
-                <a:latin typeface="Calibri" panose="020F0502020204030204" pitchFamily="34" charset="0"/>
-              </a:rPr>
-              <a:t>Altair Engineering Inc. is an American multinational information technology company headquartered in Troy, Michigan. It provides software and cloud solutions for simulation, IoT, high performance computing (HPC), data analytics, and artificial intelligence (AI).</a:t>
-            </a:r>
-          </a:p>
-          <a:p>
-            <a:pPr marL="0" indent="0">
-              <a:buNone/>
-            </a:pPr>
-            <a:r>
-              <a:rPr lang="en-US" sz="2000" dirty="0">
-                <a:latin typeface="Calibri" panose="020F0502020204030204" pitchFamily="34" charset="0"/>
-              </a:rPr>
-              <a:t>Altair Engineering was founded in 1985 by James R. Scapa, George Christ, and Mark </a:t>
-            </a:r>
-            <a:r>
-              <a:rPr lang="en-US" sz="2000" dirty="0" err="1">
-                <a:latin typeface="Calibri" panose="020F0502020204030204" pitchFamily="34" charset="0"/>
-              </a:rPr>
-              <a:t>Kistner</a:t>
-            </a:r>
-            <a:r>
-              <a:rPr lang="en-US" sz="2000" dirty="0">
-                <a:latin typeface="Calibri" panose="020F0502020204030204" pitchFamily="34" charset="0"/>
-              </a:rPr>
-              <a:t> in Troy, Michigan. </a:t>
-            </a:r>
-          </a:p>
-          <a:p>
-            <a:pPr marL="0" indent="0">
-              <a:buNone/>
-            </a:pPr>
-            <a:r>
-              <a:rPr lang="en-US" sz="2000" dirty="0">
-                <a:latin typeface="Calibri" panose="020F0502020204030204" pitchFamily="34" charset="0"/>
-              </a:rPr>
-              <a:t>CEO - James R. Scapa</a:t>
-            </a:r>
-          </a:p>
-          <a:p>
-            <a:pPr marL="0" indent="0">
-              <a:buNone/>
-            </a:pPr>
-            <a:r>
-              <a:rPr lang="en-US" sz="2000" dirty="0">
-                <a:latin typeface="Calibri" panose="020F0502020204030204" pitchFamily="34" charset="0"/>
-              </a:rPr>
-              <a:t>CFO - Matthew Brown</a:t>
-            </a:r>
-          </a:p>
-          <a:p>
-            <a:pPr marL="0" indent="0">
-              <a:buNone/>
-            </a:pPr>
-            <a:endParaRPr lang="en-US" sz="2000" dirty="0">
-              <a:latin typeface="Calibri" panose="020F0502020204030204" pitchFamily="34" charset="0"/>
-            </a:endParaRPr>
-          </a:p>
-          <a:p>
-            <a:pPr marL="0" indent="0">
-              <a:buNone/>
-            </a:pPr>
-            <a:endParaRPr lang="en-US" sz="2000" dirty="0">
-              <a:latin typeface="Calibri" panose="020F0502020204030204" pitchFamily="34" charset="0"/>
-            </a:endParaRPr>
-          </a:p>
-          <a:p>
-            <a:pPr marL="0" indent="0">
-              <a:buNone/>
-            </a:pPr>
-            <a:endParaRPr lang="en-US" sz="2000" dirty="0">
-              <a:latin typeface="Calibri" panose="020F0502020204030204" pitchFamily="34" charset="0"/>
-            </a:endParaRPr>
-          </a:p>
-        </p:txBody>
-      </p:sp>
-    </p:spTree>
-    <p:extLst>
-      <p:ext uri="{BB962C8B-B14F-4D97-AF65-F5344CB8AC3E}">
-        <p14:creationId xmlns:p14="http://schemas.microsoft.com/office/powerpoint/2010/main" val="1038395163"/>
-      </p:ext>
-    </p:extLst>
-  </p:cSld>
-  <p:clrMapOvr>
-    <a:masterClrMapping/>
-  </p:clrMapOvr>
-</p:sld>
-</file>
-
-<file path=ppt/slides/slide3.xml><?xml version="1.0" encoding="utf-8"?>
 <p:sld xmlns:a="http://schemas.openxmlformats.org/drawingml/2006/main" xmlns:r="http://schemas.openxmlformats.org/officeDocument/2006/relationships" xmlns:p="http://schemas.openxmlformats.org/presentationml/2006/main">
   <p:cSld>
     <p:bg>
@@ -3676,7 +3468,7 @@
           <p:cNvPr id="2" name="Title 1">
             <a:extLst>
               <a:ext uri="{FF2B5EF4-FFF2-40B4-BE49-F238E27FC236}">
-                <a16:creationId xmlns:a16="http://schemas.microsoft.com/office/drawing/2014/main" id="{DE378247-8FAC-0E6B-EDB8-A00A31AD0970}"/>
+                <a16:creationId xmlns:a16="http://schemas.microsoft.com/office/drawing/2014/main" id="{CA2C31F8-9972-91C8-15F8-E09B4083B068}"/>
               </a:ext>
             </a:extLst>
           </p:cNvPr>
@@ -3684,34 +3476,31 @@
             <a:spLocks noGrp="1"/>
           </p:cNvSpPr>
           <p:nvPr>
-            <p:ph type="ctrTitle"/>
+            <p:ph type="title"/>
           </p:nvPr>
         </p:nvSpPr>
         <p:spPr>
           <a:xfrm>
-            <a:off x="825615" y="477998"/>
+            <a:off x="838200" y="365125"/>
             <a:ext cx="5558489" cy="1325563"/>
           </a:xfrm>
         </p:spPr>
         <p:txBody>
-          <a:bodyPr vert="horz" lIns="91440" tIns="45720" rIns="91440" bIns="45720" rtlCol="0" anchor="ctr">
+          <a:bodyPr>
             <a:normAutofit/>
           </a:bodyPr>
           <a:lstStyle/>
           <a:p>
-            <a:pPr algn="l"/>
-            <a:r>
-              <a:rPr lang="en-US" sz="4400" b="1" dirty="0">
-                <a:solidFill>
-                  <a:srgbClr val="FA4616"/>
-                </a:solidFill>
+            <a:r>
+              <a:rPr lang="en-US" b="1">
                 <a:highlight>
                   <a:srgbClr val="FFFFFF"/>
                 </a:highlight>
                 <a:latin typeface="HCo Gotham SSm"/>
               </a:rPr>
-              <a:t>AI Hub</a:t>
-            </a:r>
+              <a:t>Introduction</a:t>
+            </a:r>
+            <a:endParaRPr lang="en-IN" dirty="0"/>
           </a:p>
         </p:txBody>
       </p:sp>
@@ -3837,10 +3626,10 @@
       </p:sp>
       <p:sp>
         <p:nvSpPr>
-          <p:cNvPr id="3" name="Subtitle 2">
-            <a:extLst>
-              <a:ext uri="{FF2B5EF4-FFF2-40B4-BE49-F238E27FC236}">
-                <a16:creationId xmlns:a16="http://schemas.microsoft.com/office/drawing/2014/main" id="{42E03F14-2FDC-1BA1-BBC9-EC48DD830EDF}"/>
+          <p:cNvPr id="3" name="Content Placeholder 2">
+            <a:extLst>
+              <a:ext uri="{FF2B5EF4-FFF2-40B4-BE49-F238E27FC236}">
+                <a16:creationId xmlns:a16="http://schemas.microsoft.com/office/drawing/2014/main" id="{87E3FE75-C11C-10A9-EC2E-7279D87BFBEE}"/>
               </a:ext>
             </a:extLst>
           </p:cNvPr>
@@ -3848,7 +3637,7 @@
             <a:spLocks noGrp="1"/>
           </p:cNvSpPr>
           <p:nvPr>
-            <p:ph type="subTitle" idx="1"/>
+            <p:ph idx="1"/>
           </p:nvPr>
         </p:nvSpPr>
         <p:spPr>
@@ -3858,223 +3647,88 @@
           </a:xfrm>
         </p:spPr>
         <p:txBody>
-          <a:bodyPr vert="horz" lIns="91440" tIns="45720" rIns="91440" bIns="45720" rtlCol="0">
+          <a:bodyPr>
             <a:normAutofit/>
           </a:bodyPr>
           <a:lstStyle/>
           <a:p>
-            <a:pPr algn="l"/>
-            <a:r>
-              <a:rPr lang="en-US" sz="2000" dirty="0">
+            <a:pPr marL="0" indent="0">
+              <a:buNone/>
+            </a:pPr>
+            <a:r>
+              <a:rPr lang="en-IN" sz="2200" dirty="0">
                 <a:latin typeface="Calibri" panose="020F0502020204030204" pitchFamily="34" charset="0"/>
               </a:rPr>
-              <a:t>Altair AI Hub (formerly RapidMiner AI Hub) provides a central workspace for data science teams. Team members can work together to share resources, execute workflows, deploy models, and integrate them into other systems.</a:t>
-            </a:r>
-          </a:p>
-          <a:p>
-            <a:pPr indent="-228600" algn="l">
-              <a:buFont typeface="Arial" panose="020B0604020202020204" pitchFamily="34" charset="0"/>
-              <a:buChar char="•"/>
+              <a:t>Altair Engineering Inc. is an American multinational information technology company headquartered in Troy, Michigan. It provides software and cloud solutions for simulation, IoT, high performance computing (HPC), data analytics, and artificial intelligence (AI).</a:t>
+            </a:r>
+          </a:p>
+          <a:p>
+            <a:pPr marL="0" indent="0">
+              <a:buNone/>
             </a:pPr>
-            <a:endParaRPr lang="en-US" sz="2000" dirty="0">
-              <a:effectLst/>
-            </a:endParaRPr>
-          </a:p>
-          <a:p>
-            <a:pPr marR="0" algn="l">
-              <a:spcBef>
-                <a:spcPts val="0"/>
-              </a:spcBef>
-              <a:spcAft>
-                <a:spcPts val="0"/>
-              </a:spcAft>
-            </a:pPr>
-            <a:r>
-              <a:rPr lang="en-US" sz="2000" b="1" dirty="0">
-                <a:effectLst/>
-              </a:rPr>
-              <a:t>Benefits:</a:t>
-            </a:r>
-            <a:endParaRPr lang="en-US" sz="2000" dirty="0">
-              <a:effectLst/>
-            </a:endParaRPr>
-          </a:p>
-          <a:p>
-            <a:pPr marL="342900" marR="0" lvl="0" indent="-228600" algn="l">
-              <a:spcBef>
-                <a:spcPts val="0"/>
-              </a:spcBef>
-              <a:spcAft>
-                <a:spcPts val="0"/>
-              </a:spcAft>
-              <a:buSzPts val="1000"/>
-              <a:buFont typeface="Arial" panose="020B0604020202020204" pitchFamily="34" charset="0"/>
-              <a:buChar char="•"/>
-              <a:tabLst>
-                <a:tab pos="457200" algn="l"/>
-              </a:tabLst>
-            </a:pPr>
-            <a:r>
-              <a:rPr lang="en-US" sz="2000" dirty="0">
+            <a:r>
+              <a:rPr lang="en-US" sz="2200" dirty="0">
                 <a:latin typeface="Calibri" panose="020F0502020204030204" pitchFamily="34" charset="0"/>
               </a:rPr>
-              <a:t>Collaborate</a:t>
-            </a:r>
-          </a:p>
-          <a:p>
-            <a:pPr marL="342900" marR="0" lvl="0" indent="-228600" algn="l">
-              <a:spcBef>
-                <a:spcPts val="0"/>
-              </a:spcBef>
-              <a:spcAft>
-                <a:spcPts val="0"/>
-              </a:spcAft>
-              <a:buSzPts val="1000"/>
-              <a:buFont typeface="Arial" panose="020B0604020202020204" pitchFamily="34" charset="0"/>
-              <a:buChar char="•"/>
-              <a:tabLst>
-                <a:tab pos="457200" algn="l"/>
-              </a:tabLst>
-            </a:pPr>
-            <a:r>
-              <a:rPr lang="en-US" sz="2000" dirty="0">
+              <a:t>Altair Engineering was founded in 1985 by James R. Scapa, George Christ, and Mark </a:t>
+            </a:r>
+            <a:r>
+              <a:rPr lang="en-US" sz="2200" dirty="0" err="1">
                 <a:latin typeface="Calibri" panose="020F0502020204030204" pitchFamily="34" charset="0"/>
               </a:rPr>
-              <a:t>Secure</a:t>
-            </a:r>
-          </a:p>
-          <a:p>
-            <a:pPr marL="342900" marR="0" lvl="0" indent="-228600" algn="l">
-              <a:spcBef>
-                <a:spcPts val="0"/>
-              </a:spcBef>
-              <a:spcAft>
-                <a:spcPts val="0"/>
-              </a:spcAft>
-              <a:buSzPts val="1000"/>
-              <a:buFont typeface="Arial" panose="020B0604020202020204" pitchFamily="34" charset="0"/>
-              <a:buChar char="•"/>
-              <a:tabLst>
-                <a:tab pos="457200" algn="l"/>
-              </a:tabLst>
-            </a:pPr>
-            <a:r>
-              <a:rPr lang="en-US" sz="2000" dirty="0">
+              <a:t>Kistner</a:t>
+            </a:r>
+            <a:r>
+              <a:rPr lang="en-US" sz="2200" dirty="0">
                 <a:latin typeface="Calibri" panose="020F0502020204030204" pitchFamily="34" charset="0"/>
               </a:rPr>
-              <a:t>Automate</a:t>
-            </a:r>
-          </a:p>
-          <a:p>
-            <a:pPr marR="0" lvl="0" indent="-228600" algn="l">
-              <a:spcBef>
-                <a:spcPts val="0"/>
-              </a:spcBef>
-              <a:spcAft>
-                <a:spcPts val="0"/>
-              </a:spcAft>
-              <a:buSzPts val="1000"/>
-              <a:buFont typeface="Arial" panose="020B0604020202020204" pitchFamily="34" charset="0"/>
-              <a:buChar char="•"/>
-              <a:tabLst>
-                <a:tab pos="457200" algn="l"/>
-              </a:tabLst>
+              <a:t> in Troy, Michigan. </a:t>
+            </a:r>
+          </a:p>
+          <a:p>
+            <a:pPr marL="0" indent="0">
+              <a:buNone/>
             </a:pPr>
-            <a:endParaRPr lang="en-US" sz="2000" dirty="0"/>
-          </a:p>
-          <a:p>
-            <a:pPr marR="0" algn="l">
-              <a:spcBef>
-                <a:spcPts val="0"/>
-              </a:spcBef>
-              <a:spcAft>
-                <a:spcPts val="0"/>
-              </a:spcAft>
-            </a:pPr>
-            <a:r>
-              <a:rPr lang="en-US" sz="2000" b="1" dirty="0">
-                <a:effectLst/>
-              </a:rPr>
-              <a:t>Key Features:</a:t>
-            </a:r>
-            <a:endParaRPr lang="en-US" sz="2000" dirty="0">
-              <a:effectLst/>
-            </a:endParaRPr>
-          </a:p>
-          <a:p>
-            <a:pPr marL="342900" indent="-228600" algn="l">
-              <a:spcBef>
-                <a:spcPts val="0"/>
-              </a:spcBef>
-              <a:buSzPts val="1000"/>
-              <a:buFont typeface="Arial" panose="020B0604020202020204" pitchFamily="34" charset="0"/>
-              <a:buChar char="•"/>
-              <a:tabLst>
-                <a:tab pos="457200" algn="l"/>
-              </a:tabLst>
-            </a:pPr>
-            <a:r>
-              <a:rPr lang="en-US" sz="2000" dirty="0">
+            <a:r>
+              <a:rPr lang="en-US" sz="2200" dirty="0">
                 <a:latin typeface="Calibri" panose="020F0502020204030204" pitchFamily="34" charset="0"/>
               </a:rPr>
-              <a:t>Integrate</a:t>
-            </a:r>
-          </a:p>
-          <a:p>
-            <a:pPr marL="342900" indent="-228600" algn="l">
-              <a:spcBef>
-                <a:spcPts val="0"/>
-              </a:spcBef>
-              <a:buSzPts val="1000"/>
-              <a:buFont typeface="Arial" panose="020B0604020202020204" pitchFamily="34" charset="0"/>
-              <a:buChar char="•"/>
-              <a:tabLst>
-                <a:tab pos="457200" algn="l"/>
-              </a:tabLst>
+              <a:t>CEO - James R. Scapa</a:t>
+            </a:r>
+          </a:p>
+          <a:p>
+            <a:pPr marL="0" indent="0">
+              <a:buNone/>
             </a:pPr>
             <a:r>
-              <a:rPr lang="en-US" sz="2000" dirty="0">
+              <a:rPr lang="en-US" sz="2200" dirty="0">
                 <a:latin typeface="Calibri" panose="020F0502020204030204" pitchFamily="34" charset="0"/>
               </a:rPr>
-              <a:t>Manage</a:t>
-            </a:r>
-          </a:p>
-          <a:p>
-            <a:pPr marL="342900" indent="-228600" algn="l">
-              <a:spcBef>
-                <a:spcPts val="0"/>
-              </a:spcBef>
-              <a:buSzPts val="1000"/>
-              <a:buFont typeface="Arial" panose="020B0604020202020204" pitchFamily="34" charset="0"/>
-              <a:buChar char="•"/>
-              <a:tabLst>
-                <a:tab pos="457200" algn="l"/>
-              </a:tabLst>
+              <a:t>CFO - Matthew Brown</a:t>
+            </a:r>
+          </a:p>
+          <a:p>
+            <a:pPr marL="0" indent="0">
+              <a:buNone/>
             </a:pPr>
-            <a:r>
-              <a:rPr lang="en-US" sz="2000" dirty="0">
-                <a:latin typeface="Calibri" panose="020F0502020204030204" pitchFamily="34" charset="0"/>
-              </a:rPr>
-              <a:t>Track</a:t>
-            </a:r>
-          </a:p>
-          <a:p>
-            <a:pPr marR="0" lvl="0" indent="-228600" algn="l">
-              <a:spcBef>
-                <a:spcPts val="0"/>
-              </a:spcBef>
-              <a:spcAft>
-                <a:spcPts val="0"/>
-              </a:spcAft>
-              <a:buSzPts val="1000"/>
-              <a:buFont typeface="Arial" panose="020B0604020202020204" pitchFamily="34" charset="0"/>
-              <a:buChar char="•"/>
-              <a:tabLst>
-                <a:tab pos="457200" algn="l"/>
-              </a:tabLst>
+            <a:endParaRPr lang="en-US" sz="2200" dirty="0">
+              <a:latin typeface="Calibri" panose="020F0502020204030204" pitchFamily="34" charset="0"/>
+            </a:endParaRPr>
+          </a:p>
+          <a:p>
+            <a:pPr marL="0" indent="0">
+              <a:buNone/>
             </a:pPr>
-            <a:endParaRPr lang="en-US" sz="2000" dirty="0">
-              <a:effectLst/>
+            <a:endParaRPr lang="en-US" sz="2200" dirty="0">
+              <a:latin typeface="Calibri" panose="020F0502020204030204" pitchFamily="34" charset="0"/>
+            </a:endParaRPr>
+          </a:p>
+          <a:p>
+            <a:pPr marL="0" indent="0">
+              <a:buNone/>
+            </a:pPr>
+            <a:endParaRPr lang="en-US" sz="2200" dirty="0">
+              <a:latin typeface="Calibri" panose="020F0502020204030204" pitchFamily="34" charset="0"/>
             </a:endParaRPr>
           </a:p>
         </p:txBody>
@@ -4211,7 +3865,7 @@
       </p:sp>
       <p:sp>
         <p:nvSpPr>
-          <p:cNvPr id="25" name="Freeform: Shape 24">
+          <p:cNvPr id="16" name="Freeform: Shape 15">
             <a:extLst>
               <a:ext uri="{FF2B5EF4-FFF2-40B4-BE49-F238E27FC236}">
                 <a16:creationId xmlns:a16="http://schemas.microsoft.com/office/drawing/2014/main" id="{83BA5EF5-1FE9-4BF9-83BB-269BCDDF6156}"/>
@@ -4374,7 +4028,7 @@
       </p:sp>
       <p:cxnSp>
         <p:nvCxnSpPr>
-          <p:cNvPr id="26" name="Straight Connector 25">
+          <p:cNvPr id="18" name="Straight Connector 17">
             <a:extLst>
               <a:ext uri="{FF2B5EF4-FFF2-40B4-BE49-F238E27FC236}">
                 <a16:creationId xmlns:a16="http://schemas.microsoft.com/office/drawing/2014/main" id="{4B3BCACB-5880-460B-9606-8C433A9AF99D}"/>
@@ -4427,7 +4081,7 @@
       </p:cxnSp>
       <p:sp>
         <p:nvSpPr>
-          <p:cNvPr id="27" name="Freeform: Shape 26">
+          <p:cNvPr id="20" name="Freeform: Shape 19">
             <a:extLst>
               <a:ext uri="{FF2B5EF4-FFF2-40B4-BE49-F238E27FC236}">
                 <a16:creationId xmlns:a16="http://schemas.microsoft.com/office/drawing/2014/main" id="{88853921-7BC9-4BDE-ACAB-133C683C82D6}"/>
@@ -4578,7 +4232,7 @@
       </p:sp>
       <p:sp>
         <p:nvSpPr>
-          <p:cNvPr id="28" name="Arc 27">
+          <p:cNvPr id="22" name="Arc 21">
             <a:extLst>
               <a:ext uri="{FF2B5EF4-FFF2-40B4-BE49-F238E27FC236}">
                 <a16:creationId xmlns:a16="http://schemas.microsoft.com/office/drawing/2014/main" id="{09192968-3AE7-4470-A61C-97294BB92731}"/>
@@ -4786,7 +4440,7 @@
     </p:spTree>
     <p:extLst>
       <p:ext uri="{BB962C8B-B14F-4D97-AF65-F5344CB8AC3E}">
-        <p14:creationId xmlns:p14="http://schemas.microsoft.com/office/powerpoint/2010/main" val="1574927549"/>
+        <p14:creationId xmlns:p14="http://schemas.microsoft.com/office/powerpoint/2010/main" val="1038395163"/>
       </p:ext>
     </p:extLst>
   </p:cSld>
@@ -4796,17 +4450,9 @@
 </p:sld>
 </file>
 
-<file path=ppt/slides/slide4.xml><?xml version="1.0" encoding="utf-8"?>
+<file path=ppt/slides/slide3.xml><?xml version="1.0" encoding="utf-8"?>
 <p:sld xmlns:a="http://schemas.openxmlformats.org/drawingml/2006/main" xmlns:r="http://schemas.openxmlformats.org/officeDocument/2006/relationships" xmlns:p="http://schemas.openxmlformats.org/presentationml/2006/main">
   <p:cSld>
-    <p:bg>
-      <p:bgPr>
-        <a:solidFill>
-          <a:schemeClr val="bg1"/>
-        </a:solidFill>
-        <a:effectLst/>
-      </p:bgPr>
-    </p:bg>
     <p:spTree>
       <p:nvGrpSpPr>
         <p:cNvPr id="1" name=""/>
@@ -4886,7 +4532,7 @@
           <p:cNvPr id="2" name="Title 1">
             <a:extLst>
               <a:ext uri="{FF2B5EF4-FFF2-40B4-BE49-F238E27FC236}">
-                <a16:creationId xmlns:a16="http://schemas.microsoft.com/office/drawing/2014/main" id="{3459DDEB-78E9-A3CD-B23D-216A3F22C642}"/>
+                <a16:creationId xmlns:a16="http://schemas.microsoft.com/office/drawing/2014/main" id="{DE378247-8FAC-0E6B-EDB8-A00A31AD0970}"/>
               </a:ext>
             </a:extLst>
           </p:cNvPr>
@@ -4894,23 +4540,24 @@
             <a:spLocks noGrp="1"/>
           </p:cNvSpPr>
           <p:nvPr>
-            <p:ph type="title"/>
+            <p:ph type="ctrTitle"/>
           </p:nvPr>
         </p:nvSpPr>
         <p:spPr>
           <a:xfrm>
-            <a:off x="838200" y="365125"/>
+            <a:off x="825615" y="477998"/>
             <a:ext cx="5558489" cy="1325563"/>
           </a:xfrm>
         </p:spPr>
         <p:txBody>
-          <a:bodyPr>
+          <a:bodyPr vert="horz" lIns="91440" tIns="45720" rIns="91440" bIns="45720" rtlCol="0" anchor="ctr">
             <a:normAutofit/>
           </a:bodyPr>
           <a:lstStyle/>
           <a:p>
-            <a:r>
-              <a:rPr lang="en-US" b="1" dirty="0">
+            <a:pPr algn="l"/>
+            <a:r>
+              <a:rPr lang="en-US" sz="4400" b="1" dirty="0">
                 <a:solidFill>
                   <a:srgbClr val="FA4616"/>
                 </a:solidFill>
@@ -4919,7 +4566,7 @@
                 </a:highlight>
                 <a:latin typeface="HCo Gotham SSm"/>
               </a:rPr>
-              <a:t>Monarch</a:t>
+              <a:t>AI Hub</a:t>
             </a:r>
           </a:p>
         </p:txBody>
@@ -5046,10 +4693,10 @@
       </p:sp>
       <p:sp>
         <p:nvSpPr>
-          <p:cNvPr id="3" name="Content Placeholder 2">
-            <a:extLst>
-              <a:ext uri="{FF2B5EF4-FFF2-40B4-BE49-F238E27FC236}">
-                <a16:creationId xmlns:a16="http://schemas.microsoft.com/office/drawing/2014/main" id="{14BBECAA-F57E-B05D-17F4-8831F90CA762}"/>
+          <p:cNvPr id="3" name="Subtitle 2">
+            <a:extLst>
+              <a:ext uri="{FF2B5EF4-FFF2-40B4-BE49-F238E27FC236}">
+                <a16:creationId xmlns:a16="http://schemas.microsoft.com/office/drawing/2014/main" id="{42E03F14-2FDC-1BA1-BBC9-EC48DD830EDF}"/>
               </a:ext>
             </a:extLst>
           </p:cNvPr>
@@ -5057,7 +4704,7 @@
             <a:spLocks noGrp="1"/>
           </p:cNvSpPr>
           <p:nvPr>
-            <p:ph idx="1"/>
+            <p:ph type="subTitle" idx="1"/>
           </p:nvPr>
         </p:nvSpPr>
         <p:spPr>
@@ -5067,61 +4714,49 @@
           </a:xfrm>
         </p:spPr>
         <p:txBody>
-          <a:bodyPr>
+          <a:bodyPr vert="horz" lIns="91440" tIns="45720" rIns="91440" bIns="45720" rtlCol="0">
             <a:normAutofit/>
           </a:bodyPr>
           <a:lstStyle/>
           <a:p>
-            <a:pPr marL="0" indent="0">
-              <a:buNone/>
-            </a:pPr>
+            <a:pPr algn="l"/>
             <a:r>
               <a:rPr lang="en-US" sz="2000" dirty="0">
                 <a:latin typeface="Calibri" panose="020F0502020204030204" pitchFamily="34" charset="0"/>
               </a:rPr>
-              <a:t>Monarch is a market leading desktop-based self-service data preparation solution. Monarch connects to multiple data sources including structured and unstructured data, cloud-based data, and big data.</a:t>
-            </a:r>
-          </a:p>
-          <a:p>
-            <a:pPr marL="0" indent="0">
-              <a:buNone/>
+              <a:t>Altair AI Hub (formerly RapidMiner AI Hub) provides a central workspace for data science teams. Team members can work together to share resources, execute workflows, deploy models, and integrate them into other systems.</a:t>
+            </a:r>
+          </a:p>
+          <a:p>
+            <a:pPr indent="-228600" algn="l">
+              <a:buFont typeface="Arial" panose="020B0604020202020204" pitchFamily="34" charset="0"/>
+              <a:buChar char="•"/>
             </a:pPr>
             <a:endParaRPr lang="en-US" sz="2000" dirty="0">
-              <a:latin typeface="Calibri" panose="020F0502020204030204" pitchFamily="34" charset="0"/>
+              <a:effectLst/>
             </a:endParaRPr>
           </a:p>
           <a:p>
-            <a:pPr marL="0" marR="0" indent="0">
+            <a:pPr marR="0" algn="l">
               <a:spcBef>
                 <a:spcPts val="0"/>
               </a:spcBef>
               <a:spcAft>
                 <a:spcPts val="0"/>
               </a:spcAft>
-              <a:buNone/>
             </a:pPr>
-            <a:r>
-              <a:rPr lang="en-US" sz="2000" b="1" dirty="0"/>
-              <a:t>Benefits</a:t>
-            </a:r>
             <a:r>
               <a:rPr lang="en-US" sz="2000" b="1" dirty="0">
                 <a:effectLst/>
-                <a:latin typeface="Calibri" panose="020F0502020204030204" pitchFamily="34" charset="0"/>
-                <a:ea typeface="Times New Roman" panose="02020603050405020304" pitchFamily="18" charset="0"/>
-                <a:cs typeface="Aptos" panose="020B0004020202020204" pitchFamily="34" charset="0"/>
               </a:rPr>
-              <a:t>:</a:t>
+              <a:t>Benefits:</a:t>
             </a:r>
             <a:endParaRPr lang="en-US" sz="2000" dirty="0">
               <a:effectLst/>
-              <a:latin typeface="Aptos" panose="020B0004020202020204" pitchFamily="34" charset="0"/>
-              <a:ea typeface="Aptos" panose="020B0004020202020204" pitchFamily="34" charset="0"/>
-              <a:cs typeface="Aptos" panose="020B0004020202020204" pitchFamily="34" charset="0"/>
             </a:endParaRPr>
           </a:p>
           <a:p>
-            <a:pPr marL="342900" marR="0" lvl="0" indent="-342900">
+            <a:pPr marL="342900" marR="0" lvl="0" indent="-228600" algn="l">
               <a:spcBef>
                 <a:spcPts val="0"/>
               </a:spcBef>
@@ -5129,8 +4764,8 @@
                 <a:spcPts val="0"/>
               </a:spcAft>
               <a:buSzPts val="1000"/>
-              <a:buFont typeface="Symbol" panose="05050102010706020507" pitchFamily="18" charset="2"/>
-              <a:buChar char=""/>
+              <a:buFont typeface="Arial" panose="020B0604020202020204" pitchFamily="34" charset="0"/>
+              <a:buChar char="•"/>
               <a:tabLst>
                 <a:tab pos="457200" algn="l"/>
               </a:tabLst>
@@ -5139,11 +4774,11 @@
               <a:rPr lang="en-US" sz="2000" dirty="0">
                 <a:latin typeface="Calibri" panose="020F0502020204030204" pitchFamily="34" charset="0"/>
               </a:rPr>
-              <a:t>Reveal</a:t>
-            </a:r>
-          </a:p>
-          <a:p>
-            <a:pPr marL="342900" marR="0" lvl="0" indent="-342900">
+              <a:t>Collaborate</a:t>
+            </a:r>
+          </a:p>
+          <a:p>
+            <a:pPr marL="342900" marR="0" lvl="0" indent="-228600" algn="l">
               <a:spcBef>
                 <a:spcPts val="0"/>
               </a:spcBef>
@@ -5151,8 +4786,8 @@
                 <a:spcPts val="0"/>
               </a:spcAft>
               <a:buSzPts val="1000"/>
-              <a:buFont typeface="Symbol" panose="05050102010706020507" pitchFamily="18" charset="2"/>
-              <a:buChar char=""/>
+              <a:buFont typeface="Arial" panose="020B0604020202020204" pitchFamily="34" charset="0"/>
+              <a:buChar char="•"/>
               <a:tabLst>
                 <a:tab pos="457200" algn="l"/>
               </a:tabLst>
@@ -5161,11 +4796,11 @@
               <a:rPr lang="en-US" sz="2000" dirty="0">
                 <a:latin typeface="Calibri" panose="020F0502020204030204" pitchFamily="34" charset="0"/>
               </a:rPr>
-              <a:t>Insight</a:t>
-            </a:r>
-          </a:p>
-          <a:p>
-            <a:pPr marL="342900" marR="0" lvl="0" indent="-342900">
+              <a:t>Secure</a:t>
+            </a:r>
+          </a:p>
+          <a:p>
+            <a:pPr marL="342900" marR="0" lvl="0" indent="-228600" algn="l">
               <a:spcBef>
                 <a:spcPts val="0"/>
               </a:spcBef>
@@ -5173,8 +4808,8 @@
                 <a:spcPts val="0"/>
               </a:spcAft>
               <a:buSzPts val="1000"/>
-              <a:buFont typeface="Symbol" panose="05050102010706020507" pitchFamily="18" charset="2"/>
-              <a:buChar char=""/>
+              <a:buFont typeface="Arial" panose="020B0604020202020204" pitchFamily="34" charset="0"/>
+              <a:buChar char="•"/>
               <a:tabLst>
                 <a:tab pos="457200" algn="l"/>
               </a:tabLst>
@@ -5183,49 +4818,53 @@
               <a:rPr lang="en-US" sz="2000" dirty="0">
                 <a:latin typeface="Calibri" panose="020F0502020204030204" pitchFamily="34" charset="0"/>
               </a:rPr>
-              <a:t>Believe</a:t>
-            </a:r>
-          </a:p>
-          <a:p>
-            <a:pPr marL="0" marR="0" indent="0">
+              <a:t>Automate</a:t>
+            </a:r>
+          </a:p>
+          <a:p>
+            <a:pPr marR="0" lvl="0" indent="-228600" algn="l">
               <a:spcBef>
                 <a:spcPts val="0"/>
               </a:spcBef>
               <a:spcAft>
                 <a:spcPts val="0"/>
               </a:spcAft>
-              <a:buNone/>
+              <a:buSzPts val="1000"/>
+              <a:buFont typeface="Arial" panose="020B0604020202020204" pitchFamily="34" charset="0"/>
+              <a:buChar char="•"/>
+              <a:tabLst>
+                <a:tab pos="457200" algn="l"/>
+              </a:tabLst>
             </a:pPr>
-            <a:endParaRPr lang="en-US" sz="2000" b="1" dirty="0">
-              <a:effectLst/>
-              <a:latin typeface="Calibri" panose="020F0502020204030204" pitchFamily="34" charset="0"/>
-              <a:ea typeface="Times New Roman" panose="02020603050405020304" pitchFamily="18" charset="0"/>
-              <a:cs typeface="Aptos" panose="020B0004020202020204" pitchFamily="34" charset="0"/>
-            </a:endParaRPr>
-          </a:p>
-          <a:p>
-            <a:pPr marL="0" marR="0" indent="0">
+            <a:endParaRPr lang="en-US" sz="2000" dirty="0"/>
+          </a:p>
+          <a:p>
+            <a:pPr marR="0" algn="l">
               <a:spcBef>
                 <a:spcPts val="0"/>
               </a:spcBef>
               <a:spcAft>
                 <a:spcPts val="0"/>
               </a:spcAft>
-              <a:buNone/>
             </a:pPr>
             <a:r>
-              <a:rPr lang="en-US" sz="2000" b="1" dirty="0"/>
+              <a:rPr lang="en-US" sz="2000" b="1" dirty="0">
+                <a:effectLst/>
+              </a:rPr>
               <a:t>Key Features:</a:t>
             </a:r>
-          </a:p>
-          <a:p>
-            <a:pPr marL="342900" indent="-342900">
+            <a:endParaRPr lang="en-US" sz="2000" dirty="0">
+              <a:effectLst/>
+            </a:endParaRPr>
+          </a:p>
+          <a:p>
+            <a:pPr marL="342900" indent="-228600" algn="l">
               <a:spcBef>
                 <a:spcPts val="0"/>
               </a:spcBef>
               <a:buSzPts val="1000"/>
-              <a:buFont typeface="Symbol" panose="05050102010706020507" pitchFamily="18" charset="2"/>
-              <a:buChar char=""/>
+              <a:buFont typeface="Arial" panose="020B0604020202020204" pitchFamily="34" charset="0"/>
+              <a:buChar char="•"/>
               <a:tabLst>
                 <a:tab pos="457200" algn="l"/>
               </a:tabLst>
@@ -5234,17 +4873,17 @@
               <a:rPr lang="en-US" sz="2000" dirty="0">
                 <a:latin typeface="Calibri" panose="020F0502020204030204" pitchFamily="34" charset="0"/>
               </a:rPr>
-              <a:t>Ease of Use</a:t>
-            </a:r>
-          </a:p>
-          <a:p>
-            <a:pPr marL="342900" indent="-342900">
+              <a:t>Integrate</a:t>
+            </a:r>
+          </a:p>
+          <a:p>
+            <a:pPr marL="342900" indent="-228600" algn="l">
               <a:spcBef>
                 <a:spcPts val="0"/>
               </a:spcBef>
               <a:buSzPts val="1000"/>
-              <a:buFont typeface="Symbol" panose="05050102010706020507" pitchFamily="18" charset="2"/>
-              <a:buChar char=""/>
+              <a:buFont typeface="Arial" panose="020B0604020202020204" pitchFamily="34" charset="0"/>
+              <a:buChar char="•"/>
               <a:tabLst>
                 <a:tab pos="457200" algn="l"/>
               </a:tabLst>
@@ -5253,17 +4892,17 @@
               <a:rPr lang="en-US" sz="2000" dirty="0">
                 <a:latin typeface="Calibri" panose="020F0502020204030204" pitchFamily="34" charset="0"/>
               </a:rPr>
-              <a:t>Powerful, Efficient Self-Service Data Preparation</a:t>
-            </a:r>
-          </a:p>
-          <a:p>
-            <a:pPr marL="342900" indent="-342900">
+              <a:t>Manage</a:t>
+            </a:r>
+          </a:p>
+          <a:p>
+            <a:pPr marL="342900" indent="-228600" algn="l">
               <a:spcBef>
                 <a:spcPts val="0"/>
               </a:spcBef>
               <a:buSzPts val="1000"/>
-              <a:buFont typeface="Symbol" panose="05050102010706020507" pitchFamily="18" charset="2"/>
-              <a:buChar char=""/>
+              <a:buFont typeface="Arial" panose="020B0604020202020204" pitchFamily="34" charset="0"/>
+              <a:buChar char="•"/>
               <a:tabLst>
                 <a:tab pos="457200" algn="l"/>
               </a:tabLst>
@@ -5272,8 +4911,27 @@
               <a:rPr lang="en-US" sz="2000" dirty="0">
                 <a:latin typeface="Calibri" panose="020F0502020204030204" pitchFamily="34" charset="0"/>
               </a:rPr>
-              <a:t>Reduce Costs, Increase Efficiencies</a:t>
-            </a:r>
+              <a:t>Track</a:t>
+            </a:r>
+          </a:p>
+          <a:p>
+            <a:pPr marR="0" lvl="0" indent="-228600" algn="l">
+              <a:spcBef>
+                <a:spcPts val="0"/>
+              </a:spcBef>
+              <a:spcAft>
+                <a:spcPts val="0"/>
+              </a:spcAft>
+              <a:buSzPts val="1000"/>
+              <a:buFont typeface="Arial" panose="020B0604020202020204" pitchFamily="34" charset="0"/>
+              <a:buChar char="•"/>
+              <a:tabLst>
+                <a:tab pos="457200" algn="l"/>
+              </a:tabLst>
+            </a:pPr>
+            <a:endParaRPr lang="en-US" sz="2000" dirty="0">
+              <a:effectLst/>
+            </a:endParaRPr>
           </a:p>
         </p:txBody>
       </p:sp>
@@ -5409,7 +5067,7 @@
       </p:sp>
       <p:sp>
         <p:nvSpPr>
-          <p:cNvPr id="16" name="Freeform: Shape 15">
+          <p:cNvPr id="25" name="Freeform: Shape 24">
             <a:extLst>
               <a:ext uri="{FF2B5EF4-FFF2-40B4-BE49-F238E27FC236}">
                 <a16:creationId xmlns:a16="http://schemas.microsoft.com/office/drawing/2014/main" id="{83BA5EF5-1FE9-4BF9-83BB-269BCDDF6156}"/>
@@ -5572,7 +5230,7 @@
       </p:sp>
       <p:cxnSp>
         <p:nvCxnSpPr>
-          <p:cNvPr id="18" name="Straight Connector 17">
+          <p:cNvPr id="26" name="Straight Connector 25">
             <a:extLst>
               <a:ext uri="{FF2B5EF4-FFF2-40B4-BE49-F238E27FC236}">
                 <a16:creationId xmlns:a16="http://schemas.microsoft.com/office/drawing/2014/main" id="{4B3BCACB-5880-460B-9606-8C433A9AF99D}"/>
@@ -5625,7 +5283,7 @@
       </p:cxnSp>
       <p:sp>
         <p:nvSpPr>
-          <p:cNvPr id="20" name="Freeform: Shape 19">
+          <p:cNvPr id="27" name="Freeform: Shape 26">
             <a:extLst>
               <a:ext uri="{FF2B5EF4-FFF2-40B4-BE49-F238E27FC236}">
                 <a16:creationId xmlns:a16="http://schemas.microsoft.com/office/drawing/2014/main" id="{88853921-7BC9-4BDE-ACAB-133C683C82D6}"/>
@@ -5776,7 +5434,7 @@
       </p:sp>
       <p:sp>
         <p:nvSpPr>
-          <p:cNvPr id="22" name="Arc 21">
+          <p:cNvPr id="28" name="Arc 27">
             <a:extLst>
               <a:ext uri="{FF2B5EF4-FFF2-40B4-BE49-F238E27FC236}">
                 <a16:creationId xmlns:a16="http://schemas.microsoft.com/office/drawing/2014/main" id="{09192968-3AE7-4470-A61C-97294BB92731}"/>
@@ -5984,7 +5642,7 @@
     </p:spTree>
     <p:extLst>
       <p:ext uri="{BB962C8B-B14F-4D97-AF65-F5344CB8AC3E}">
-        <p14:creationId xmlns:p14="http://schemas.microsoft.com/office/powerpoint/2010/main" val="480497652"/>
+        <p14:creationId xmlns:p14="http://schemas.microsoft.com/office/powerpoint/2010/main" val="1574927549"/>
       </p:ext>
     </p:extLst>
   </p:cSld>
@@ -5994,17 +5652,9 @@
 </p:sld>
 </file>
 
-<file path=ppt/slides/slide5.xml><?xml version="1.0" encoding="utf-8"?>
+<file path=ppt/slides/slide4.xml><?xml version="1.0" encoding="utf-8"?>
 <p:sld xmlns:a="http://schemas.openxmlformats.org/drawingml/2006/main" xmlns:r="http://schemas.openxmlformats.org/officeDocument/2006/relationships" xmlns:p="http://schemas.openxmlformats.org/presentationml/2006/main">
   <p:cSld>
-    <p:bg>
-      <p:bgPr>
-        <a:solidFill>
-          <a:schemeClr val="bg1"/>
-        </a:solidFill>
-        <a:effectLst/>
-      </p:bgPr>
-    </p:bg>
     <p:spTree>
       <p:nvGrpSpPr>
         <p:cNvPr id="1" name=""/>
@@ -6084,7 +5734,7 @@
           <p:cNvPr id="2" name="Title 1">
             <a:extLst>
               <a:ext uri="{FF2B5EF4-FFF2-40B4-BE49-F238E27FC236}">
-                <a16:creationId xmlns:a16="http://schemas.microsoft.com/office/drawing/2014/main" id="{FA7C62C5-0F19-3997-88DC-BBFDD1FA1478}"/>
+                <a16:creationId xmlns:a16="http://schemas.microsoft.com/office/drawing/2014/main" id="{3459DDEB-78E9-A3CD-B23D-216A3F22C642}"/>
               </a:ext>
             </a:extLst>
           </p:cNvPr>
@@ -6108,19 +5758,17 @@
           <a:lstStyle/>
           <a:p>
             <a:r>
-              <a:rPr lang="en-US" b="1" i="0" dirty="0">
+              <a:rPr lang="en-US" b="1" dirty="0">
                 <a:solidFill>
                   <a:srgbClr val="FA4616"/>
                 </a:solidFill>
-                <a:effectLst/>
                 <a:highlight>
                   <a:srgbClr val="FFFFFF"/>
                 </a:highlight>
                 <a:latin typeface="HCo Gotham SSm"/>
               </a:rPr>
-              <a:t>SLC</a:t>
-            </a:r>
-            <a:endParaRPr lang="en-US" dirty="0"/>
+              <a:t>Monarch</a:t>
+            </a:r>
           </a:p>
         </p:txBody>
       </p:sp>
@@ -6249,7 +5897,7 @@
           <p:cNvPr id="3" name="Content Placeholder 2">
             <a:extLst>
               <a:ext uri="{FF2B5EF4-FFF2-40B4-BE49-F238E27FC236}">
-                <a16:creationId xmlns:a16="http://schemas.microsoft.com/office/drawing/2014/main" id="{2534F703-9F55-64B2-80DD-AC02FE69537F}"/>
+                <a16:creationId xmlns:a16="http://schemas.microsoft.com/office/drawing/2014/main" id="{14BBECAA-F57E-B05D-17F4-8831F90CA762}"/>
               </a:ext>
             </a:extLst>
           </p:cNvPr>
@@ -6279,7 +5927,7 @@
               <a:rPr lang="en-US" sz="2000" dirty="0">
                 <a:latin typeface="Calibri" panose="020F0502020204030204" pitchFamily="34" charset="0"/>
               </a:rPr>
-              <a:t>Altair SLC (Statistical Language Compiler) provides a high-performance computing environment for executing statistical analysis and machine learning models.</a:t>
+              <a:t>Monarch is a market leading desktop-based self-service data preparation solution. Monarch connects to multiple data sources including structured and unstructured data, cloud-based data, and big data.</a:t>
             </a:r>
           </a:p>
           <a:p>
@@ -6301,11 +5949,24 @@
               <a:buNone/>
             </a:pPr>
             <a:r>
+              <a:rPr lang="en-US" sz="2000" b="1" dirty="0"/>
+              <a:t>Benefits</a:t>
+            </a:r>
+            <a:r>
               <a:rPr lang="en-US" sz="2000" b="1" dirty="0">
+                <a:effectLst/>
                 <a:latin typeface="Calibri" panose="020F0502020204030204" pitchFamily="34" charset="0"/>
+                <a:ea typeface="Times New Roman" panose="02020603050405020304" pitchFamily="18" charset="0"/>
+                <a:cs typeface="Aptos" panose="020B0004020202020204" pitchFamily="34" charset="0"/>
               </a:rPr>
-              <a:t>Benefits:</a:t>
-            </a:r>
+              <a:t>:</a:t>
+            </a:r>
+            <a:endParaRPr lang="en-US" sz="2000" dirty="0">
+              <a:effectLst/>
+              <a:latin typeface="Aptos" panose="020B0004020202020204" pitchFamily="34" charset="0"/>
+              <a:ea typeface="Aptos" panose="020B0004020202020204" pitchFamily="34" charset="0"/>
+              <a:cs typeface="Aptos" panose="020B0004020202020204" pitchFamily="34" charset="0"/>
+            </a:endParaRPr>
           </a:p>
           <a:p>
             <a:pPr marL="342900" marR="0" lvl="0" indent="-342900">
@@ -6326,7 +5987,7 @@
               <a:rPr lang="en-US" sz="2000" dirty="0">
                 <a:latin typeface="Calibri" panose="020F0502020204030204" pitchFamily="34" charset="0"/>
               </a:rPr>
-              <a:t>Seamless Migration</a:t>
+              <a:t>Reveal</a:t>
             </a:r>
           </a:p>
           <a:p>
@@ -6348,7 +6009,7 @@
               <a:rPr lang="en-US" sz="2000" dirty="0">
                 <a:latin typeface="Calibri" panose="020F0502020204030204" pitchFamily="34" charset="0"/>
               </a:rPr>
-              <a:t>Complete SAS Language Support</a:t>
+              <a:t>Insight</a:t>
             </a:r>
           </a:p>
           <a:p>
@@ -6370,26 +6031,8 @@
               <a:rPr lang="en-US" sz="2000" dirty="0">
                 <a:latin typeface="Calibri" panose="020F0502020204030204" pitchFamily="34" charset="0"/>
               </a:rPr>
-              <a:t>Multi Language, Multi-Platform</a:t>
-            </a:r>
-          </a:p>
-          <a:p>
-            <a:pPr marL="0" marR="0" lvl="0" indent="0">
-              <a:spcBef>
-                <a:spcPts val="0"/>
-              </a:spcBef>
-              <a:spcAft>
-                <a:spcPts val="0"/>
-              </a:spcAft>
-              <a:buSzPts val="1000"/>
-              <a:buNone/>
-              <a:tabLst>
-                <a:tab pos="457200" algn="l"/>
-              </a:tabLst>
-            </a:pPr>
-            <a:endParaRPr lang="en-US" sz="2000" dirty="0">
-              <a:latin typeface="Calibri" panose="020F0502020204030204" pitchFamily="34" charset="0"/>
-            </a:endParaRPr>
+              <a:t>Believe</a:t>
+            </a:r>
           </a:p>
           <a:p>
             <a:pPr marL="0" marR="0" indent="0">
@@ -6401,21 +6044,33 @@
               </a:spcAft>
               <a:buNone/>
             </a:pPr>
-            <a:r>
-              <a:rPr lang="en-US" sz="2000" b="1" dirty="0">
-                <a:latin typeface="Calibri" panose="020F0502020204030204" pitchFamily="34" charset="0"/>
-              </a:rPr>
-              <a:t>Key Features:</a:t>
-            </a:r>
-          </a:p>
-          <a:p>
-            <a:pPr marL="342900" marR="0" lvl="0" indent="-342900">
+            <a:endParaRPr lang="en-US" sz="2000" b="1" dirty="0">
+              <a:effectLst/>
+              <a:latin typeface="Calibri" panose="020F0502020204030204" pitchFamily="34" charset="0"/>
+              <a:ea typeface="Times New Roman" panose="02020603050405020304" pitchFamily="18" charset="0"/>
+              <a:cs typeface="Aptos" panose="020B0004020202020204" pitchFamily="34" charset="0"/>
+            </a:endParaRPr>
+          </a:p>
+          <a:p>
+            <a:pPr marL="0" marR="0" indent="0">
               <a:spcBef>
                 <a:spcPts val="0"/>
               </a:spcBef>
               <a:spcAft>
                 <a:spcPts val="0"/>
               </a:spcAft>
+              <a:buNone/>
+            </a:pPr>
+            <a:r>
+              <a:rPr lang="en-US" sz="2000" b="1" dirty="0"/>
+              <a:t>Key Features:</a:t>
+            </a:r>
+          </a:p>
+          <a:p>
+            <a:pPr marL="342900" indent="-342900">
+              <a:spcBef>
+                <a:spcPts val="0"/>
+              </a:spcBef>
               <a:buSzPts val="1000"/>
               <a:buFont typeface="Symbol" panose="05050102010706020507" pitchFamily="18" charset="2"/>
               <a:buChar char=""/>
@@ -6427,17 +6082,14 @@
               <a:rPr lang="en-US" sz="2000" dirty="0">
                 <a:latin typeface="Calibri" panose="020F0502020204030204" pitchFamily="34" charset="0"/>
               </a:rPr>
-              <a:t>Access Any Data</a:t>
-            </a:r>
-          </a:p>
-          <a:p>
-            <a:pPr marL="342900" marR="0" lvl="0" indent="-342900">
+              <a:t>Ease of Use</a:t>
+            </a:r>
+          </a:p>
+          <a:p>
+            <a:pPr marL="342900" indent="-342900">
               <a:spcBef>
                 <a:spcPts val="0"/>
               </a:spcBef>
-              <a:spcAft>
-                <a:spcPts val="0"/>
-              </a:spcAft>
               <a:buSzPts val="1000"/>
               <a:buFont typeface="Symbol" panose="05050102010706020507" pitchFamily="18" charset="2"/>
               <a:buChar char=""/>
@@ -6449,17 +6101,14 @@
               <a:rPr lang="en-US" sz="2000" dirty="0">
                 <a:latin typeface="Calibri" panose="020F0502020204030204" pitchFamily="34" charset="0"/>
               </a:rPr>
-              <a:t>Flexible Deployment</a:t>
-            </a:r>
-          </a:p>
-          <a:p>
-            <a:pPr marL="342900" marR="0" lvl="0" indent="-342900">
+              <a:t>Powerful, Efficient Self-Service Data Preparation</a:t>
+            </a:r>
+          </a:p>
+          <a:p>
+            <a:pPr marL="342900" indent="-342900">
               <a:spcBef>
                 <a:spcPts val="0"/>
               </a:spcBef>
-              <a:spcAft>
-                <a:spcPts val="0"/>
-              </a:spcAft>
               <a:buSzPts val="1000"/>
               <a:buFont typeface="Symbol" panose="05050102010706020507" pitchFamily="18" charset="2"/>
               <a:buChar char=""/>
@@ -6471,7 +6120,7 @@
               <a:rPr lang="en-US" sz="2000" dirty="0">
                 <a:latin typeface="Calibri" panose="020F0502020204030204" pitchFamily="34" charset="0"/>
               </a:rPr>
-              <a:t>Schedule Jobs / Build Execution Pipelines</a:t>
+              <a:t>Reduce Costs, Increase Efficiencies</a:t>
             </a:r>
           </a:p>
         </p:txBody>
@@ -7183,7 +6832,7 @@
     </p:spTree>
     <p:extLst>
       <p:ext uri="{BB962C8B-B14F-4D97-AF65-F5344CB8AC3E}">
-        <p14:creationId xmlns:p14="http://schemas.microsoft.com/office/powerpoint/2010/main" val="1426559279"/>
+        <p14:creationId xmlns:p14="http://schemas.microsoft.com/office/powerpoint/2010/main" val="480497652"/>
       </p:ext>
     </p:extLst>
   </p:cSld>
@@ -7193,17 +6842,9 @@
 </p:sld>
 </file>
 
-<file path=ppt/slides/slide6.xml><?xml version="1.0" encoding="utf-8"?>
+<file path=ppt/slides/slide5.xml><?xml version="1.0" encoding="utf-8"?>
 <p:sld xmlns:a="http://schemas.openxmlformats.org/drawingml/2006/main" xmlns:r="http://schemas.openxmlformats.org/officeDocument/2006/relationships" xmlns:p="http://schemas.openxmlformats.org/presentationml/2006/main">
   <p:cSld>
-    <p:bg>
-      <p:bgPr>
-        <a:solidFill>
-          <a:schemeClr val="bg1"/>
-        </a:solidFill>
-        <a:effectLst/>
-      </p:bgPr>
-    </p:bg>
     <p:spTree>
       <p:nvGrpSpPr>
         <p:cNvPr id="1" name=""/>
@@ -7283,7 +6924,7 @@
           <p:cNvPr id="2" name="Title 1">
             <a:extLst>
               <a:ext uri="{FF2B5EF4-FFF2-40B4-BE49-F238E27FC236}">
-                <a16:creationId xmlns:a16="http://schemas.microsoft.com/office/drawing/2014/main" id="{C7FF6704-CD22-6840-9044-2387F7B7A8FE}"/>
+                <a16:creationId xmlns:a16="http://schemas.microsoft.com/office/drawing/2014/main" id="{FA7C62C5-0F19-3997-88DC-BBFDD1FA1478}"/>
               </a:ext>
             </a:extLst>
           </p:cNvPr>
@@ -7307,17 +6948,19 @@
           <a:lstStyle/>
           <a:p>
             <a:r>
-              <a:rPr lang="en-US" b="1" dirty="0">
+              <a:rPr lang="en-US" b="1" i="0" dirty="0">
                 <a:solidFill>
                   <a:srgbClr val="FA4616"/>
                 </a:solidFill>
+                <a:effectLst/>
                 <a:highlight>
                   <a:srgbClr val="FFFFFF"/>
                 </a:highlight>
                 <a:latin typeface="HCo Gotham SSm"/>
               </a:rPr>
-              <a:t>Knowledge Studio</a:t>
-            </a:r>
+              <a:t>SLC</a:t>
+            </a:r>
+            <a:endParaRPr lang="en-US" dirty="0"/>
           </a:p>
         </p:txBody>
       </p:sp>
@@ -7446,7 +7089,7 @@
           <p:cNvPr id="3" name="Content Placeholder 2">
             <a:extLst>
               <a:ext uri="{FF2B5EF4-FFF2-40B4-BE49-F238E27FC236}">
-                <a16:creationId xmlns:a16="http://schemas.microsoft.com/office/drawing/2014/main" id="{96F9C838-E1FB-76FF-4722-A0B19391F272}"/>
+                <a16:creationId xmlns:a16="http://schemas.microsoft.com/office/drawing/2014/main" id="{2534F703-9F55-64B2-80DD-AC02FE69537F}"/>
               </a:ext>
             </a:extLst>
           </p:cNvPr>
@@ -7465,7 +7108,7 @@
         </p:spPr>
         <p:txBody>
           <a:bodyPr>
-            <a:normAutofit lnSpcReduction="10000"/>
+            <a:normAutofit/>
           </a:bodyPr>
           <a:lstStyle/>
           <a:p>
@@ -7476,27 +7119,32 @@
               <a:rPr lang="en-US" sz="2000" dirty="0">
                 <a:latin typeface="Calibri" panose="020F0502020204030204" pitchFamily="34" charset="0"/>
               </a:rPr>
-              <a:t>Knowledge Studio is a market-leading easy to use machine learning and predictive analytics solution that rapidly visualizes data as it quickly generates explainable results - without requiring a single line of code.</a:t>
+              <a:t>Altair SLC (Statistical Language Compiler) provides a high-performance computing environment for executing statistical analysis and machine learning models.</a:t>
             </a:r>
           </a:p>
           <a:p>
             <a:pPr marL="0" indent="0">
               <a:buNone/>
             </a:pPr>
+            <a:endParaRPr lang="en-US" sz="2000" dirty="0">
+              <a:latin typeface="Calibri" panose="020F0502020204030204" pitchFamily="34" charset="0"/>
+            </a:endParaRPr>
+          </a:p>
+          <a:p>
+            <a:pPr marL="0" marR="0" indent="0">
+              <a:spcBef>
+                <a:spcPts val="0"/>
+              </a:spcBef>
+              <a:spcAft>
+                <a:spcPts val="0"/>
+              </a:spcAft>
+              <a:buNone/>
+            </a:pPr>
             <a:r>
               <a:rPr lang="en-US" sz="2000" b="1" dirty="0">
                 <a:latin typeface="Calibri" panose="020F0502020204030204" pitchFamily="34" charset="0"/>
               </a:rPr>
-              <a:t>Benefits</a:t>
-            </a:r>
-            <a:r>
-              <a:rPr lang="en-US" sz="1800" b="1" dirty="0">
-                <a:effectLst/>
-                <a:latin typeface="Calibri" panose="020F0502020204030204" pitchFamily="34" charset="0"/>
-                <a:ea typeface="Times New Roman" panose="02020603050405020304" pitchFamily="18" charset="0"/>
-                <a:cs typeface="Aptos" panose="020B0004020202020204" pitchFamily="34" charset="0"/>
-              </a:rPr>
-              <a:t>:</a:t>
+              <a:t>Benefits:</a:t>
             </a:r>
           </a:p>
           <a:p>
@@ -7518,7 +7166,7 @@
               <a:rPr lang="en-US" sz="2000" dirty="0">
                 <a:latin typeface="Calibri" panose="020F0502020204030204" pitchFamily="34" charset="0"/>
               </a:rPr>
-              <a:t>Designed for All Skill Sets</a:t>
+              <a:t>Seamless Migration</a:t>
             </a:r>
           </a:p>
           <a:p>
@@ -7540,7 +7188,7 @@
               <a:rPr lang="en-US" sz="2000" dirty="0">
                 <a:latin typeface="Calibri" panose="020F0502020204030204" pitchFamily="34" charset="0"/>
               </a:rPr>
-              <a:t>Built to Solve Business Problems</a:t>
+              <a:t>Complete SAS Language Support</a:t>
             </a:r>
           </a:p>
           <a:p>
@@ -7562,54 +7210,52 @@
               <a:rPr lang="en-US" sz="2000" dirty="0">
                 <a:latin typeface="Calibri" panose="020F0502020204030204" pitchFamily="34" charset="0"/>
               </a:rPr>
-              <a:t>Meets High Demands of Data Science and Machine Learning</a:t>
-            </a:r>
-          </a:p>
-          <a:p>
-            <a:pPr marL="0" indent="0">
+              <a:t>Multi Language, Multi-Platform</a:t>
+            </a:r>
+          </a:p>
+          <a:p>
+            <a:pPr marL="0" marR="0" lvl="0" indent="0">
+              <a:spcBef>
+                <a:spcPts val="0"/>
+              </a:spcBef>
+              <a:spcAft>
+                <a:spcPts val="0"/>
+              </a:spcAft>
+              <a:buSzPts val="1000"/>
               <a:buNone/>
+              <a:tabLst>
+                <a:tab pos="457200" algn="l"/>
+              </a:tabLst>
             </a:pPr>
-            <a:endParaRPr lang="en-US" sz="1800" dirty="0">
-              <a:effectLst/>
-              <a:latin typeface="Aptos" panose="020B0004020202020204" pitchFamily="34" charset="0"/>
-              <a:ea typeface="Aptos" panose="020B0004020202020204" pitchFamily="34" charset="0"/>
-              <a:cs typeface="Aptos" panose="020B0004020202020204" pitchFamily="34" charset="0"/>
+            <a:endParaRPr lang="en-US" sz="2000" dirty="0">
+              <a:latin typeface="Calibri" panose="020F0502020204030204" pitchFamily="34" charset="0"/>
             </a:endParaRPr>
           </a:p>
           <a:p>
-            <a:pPr marL="0" indent="0">
+            <a:pPr marL="0" marR="0" indent="0">
+              <a:spcBef>
+                <a:spcPts val="0"/>
+              </a:spcBef>
+              <a:spcAft>
+                <a:spcPts val="0"/>
+              </a:spcAft>
               <a:buNone/>
             </a:pPr>
             <a:r>
               <a:rPr lang="en-US" sz="2000" b="1" dirty="0">
                 <a:latin typeface="Calibri" panose="020F0502020204030204" pitchFamily="34" charset="0"/>
               </a:rPr>
-              <a:t>Key</a:t>
-            </a:r>
-            <a:r>
-              <a:rPr lang="en-US" sz="1800" b="1" dirty="0">
-                <a:latin typeface="Calibri" panose="020F0502020204030204" pitchFamily="34" charset="0"/>
-              </a:rPr>
-              <a:t> </a:t>
-            </a:r>
-            <a:r>
-              <a:rPr lang="en-US" sz="2000" b="1" dirty="0">
-                <a:latin typeface="Calibri" panose="020F0502020204030204" pitchFamily="34" charset="0"/>
-              </a:rPr>
-              <a:t>Features</a:t>
-            </a:r>
-            <a:r>
-              <a:rPr lang="en-US" sz="1800" b="1" dirty="0">
-                <a:latin typeface="Calibri" panose="020F0502020204030204" pitchFamily="34" charset="0"/>
-              </a:rPr>
-              <a:t>:</a:t>
-            </a:r>
-          </a:p>
-          <a:p>
-            <a:pPr marL="342900" indent="-342900">
+              <a:t>Key Features:</a:t>
+            </a:r>
+          </a:p>
+          <a:p>
+            <a:pPr marL="342900" marR="0" lvl="0" indent="-342900">
               <a:spcBef>
                 <a:spcPts val="0"/>
               </a:spcBef>
+              <a:spcAft>
+                <a:spcPts val="0"/>
+              </a:spcAft>
               <a:buSzPts val="1000"/>
               <a:buFont typeface="Symbol" panose="05050102010706020507" pitchFamily="18" charset="2"/>
               <a:buChar char=""/>
@@ -7618,17 +7264,20 @@
               </a:tabLst>
             </a:pPr>
             <a:r>
-              <a:rPr lang="en-US" sz="2100" dirty="0">
+              <a:rPr lang="en-US" sz="2000" dirty="0">
                 <a:latin typeface="Calibri" panose="020F0502020204030204" pitchFamily="34" charset="0"/>
               </a:rPr>
-              <a:t>No Code Machine Learning Modeling</a:t>
-            </a:r>
-          </a:p>
-          <a:p>
-            <a:pPr marL="342900" indent="-342900">
+              <a:t>Access Any Data</a:t>
+            </a:r>
+          </a:p>
+          <a:p>
+            <a:pPr marL="342900" marR="0" lvl="0" indent="-342900">
               <a:spcBef>
                 <a:spcPts val="0"/>
               </a:spcBef>
+              <a:spcAft>
+                <a:spcPts val="0"/>
+              </a:spcAft>
               <a:buSzPts val="1000"/>
               <a:buFont typeface="Symbol" panose="05050102010706020507" pitchFamily="18" charset="2"/>
               <a:buChar char=""/>
@@ -7637,17 +7286,20 @@
               </a:tabLst>
             </a:pPr>
             <a:r>
-              <a:rPr lang="en-US" sz="2100" dirty="0">
+              <a:rPr lang="en-US" sz="2000" dirty="0">
                 <a:latin typeface="Calibri" panose="020F0502020204030204" pitchFamily="34" charset="0"/>
               </a:rPr>
-              <a:t>Transparent, Explainable AI</a:t>
-            </a:r>
-          </a:p>
-          <a:p>
-            <a:pPr marL="342900" indent="-342900">
+              <a:t>Flexible Deployment</a:t>
+            </a:r>
+          </a:p>
+          <a:p>
+            <a:pPr marL="342900" marR="0" lvl="0" indent="-342900">
               <a:spcBef>
                 <a:spcPts val="0"/>
               </a:spcBef>
+              <a:spcAft>
+                <a:spcPts val="0"/>
+              </a:spcAft>
               <a:buSzPts val="1000"/>
               <a:buFont typeface="Symbol" panose="05050102010706020507" pitchFamily="18" charset="2"/>
               <a:buChar char=""/>
@@ -7656,10 +7308,10 @@
               </a:tabLst>
             </a:pPr>
             <a:r>
-              <a:rPr lang="en-US" sz="2100" dirty="0">
+              <a:rPr lang="en-US" sz="2000" dirty="0">
                 <a:latin typeface="Calibri" panose="020F0502020204030204" pitchFamily="34" charset="0"/>
               </a:rPr>
-              <a:t>Predictive Analytics to Prescriptive Analytics</a:t>
+              <a:t>Schedule Jobs / Build Execution Pipelines</a:t>
             </a:r>
           </a:p>
         </p:txBody>
@@ -8371,7 +8023,7 @@
     </p:spTree>
     <p:extLst>
       <p:ext uri="{BB962C8B-B14F-4D97-AF65-F5344CB8AC3E}">
-        <p14:creationId xmlns:p14="http://schemas.microsoft.com/office/powerpoint/2010/main" val="1514007891"/>
+        <p14:creationId xmlns:p14="http://schemas.microsoft.com/office/powerpoint/2010/main" val="1426559279"/>
       </p:ext>
     </p:extLst>
   </p:cSld>
@@ -8381,17 +8033,9 @@
 </p:sld>
 </file>
 
-<file path=ppt/slides/slide7.xml><?xml version="1.0" encoding="utf-8"?>
+<file path=ppt/slides/slide6.xml><?xml version="1.0" encoding="utf-8"?>
 <p:sld xmlns:a="http://schemas.openxmlformats.org/drawingml/2006/main" xmlns:r="http://schemas.openxmlformats.org/officeDocument/2006/relationships" xmlns:p="http://schemas.openxmlformats.org/presentationml/2006/main">
   <p:cSld>
-    <p:bg>
-      <p:bgPr>
-        <a:solidFill>
-          <a:schemeClr val="bg1"/>
-        </a:solidFill>
-        <a:effectLst/>
-      </p:bgPr>
-    </p:bg>
     <p:spTree>
       <p:nvGrpSpPr>
         <p:cNvPr id="1" name=""/>
@@ -8471,7 +8115,7 @@
           <p:cNvPr id="2" name="Title 1">
             <a:extLst>
               <a:ext uri="{FF2B5EF4-FFF2-40B4-BE49-F238E27FC236}">
-                <a16:creationId xmlns:a16="http://schemas.microsoft.com/office/drawing/2014/main" id="{EF6EAAF1-ECC6-C4F4-F704-74CF6EE397E8}"/>
+                <a16:creationId xmlns:a16="http://schemas.microsoft.com/office/drawing/2014/main" id="{C7FF6704-CD22-6840-9044-2387F7B7A8FE}"/>
               </a:ext>
             </a:extLst>
           </p:cNvPr>
@@ -8504,7 +8148,7 @@
                 </a:highlight>
                 <a:latin typeface="HCo Gotham SSm"/>
               </a:rPr>
-              <a:t>Analytics Workbench</a:t>
+              <a:t>Knowledge Studio</a:t>
             </a:r>
           </a:p>
         </p:txBody>
@@ -8634,7 +8278,7 @@
           <p:cNvPr id="3" name="Content Placeholder 2">
             <a:extLst>
               <a:ext uri="{FF2B5EF4-FFF2-40B4-BE49-F238E27FC236}">
-                <a16:creationId xmlns:a16="http://schemas.microsoft.com/office/drawing/2014/main" id="{958128DA-C0D2-1EAE-F119-B91F80CF9E1A}"/>
+                <a16:creationId xmlns:a16="http://schemas.microsoft.com/office/drawing/2014/main" id="{96F9C838-E1FB-76FF-4722-A0B19391F272}"/>
               </a:ext>
             </a:extLst>
           </p:cNvPr>
@@ -8664,7 +8308,7 @@
               <a:rPr lang="en-US" sz="2000" dirty="0">
                 <a:latin typeface="Calibri" panose="020F0502020204030204" pitchFamily="34" charset="0"/>
               </a:rPr>
-              <a:t>Analytics Workbench is a sophisticated coding environment that offers comprehensive support for development along with assistance for building models and multi-language coding, supporting the SAS language, Python, R, and SQL.</a:t>
+              <a:t>Knowledge Studio is a market-leading easy to use machine learning and predictive analytics solution that rapidly visualizes data as it quickly generates explainable results - without requiring a single line of code.</a:t>
             </a:r>
           </a:p>
           <a:p>
@@ -8678,7 +8322,7 @@
               <a:t>Benefits</a:t>
             </a:r>
             <a:r>
-              <a:rPr lang="en-US" sz="1500" b="1" dirty="0">
+              <a:rPr lang="en-US" sz="1800" b="1" dirty="0">
                 <a:effectLst/>
                 <a:latin typeface="Calibri" panose="020F0502020204030204" pitchFamily="34" charset="0"/>
                 <a:ea typeface="Times New Roman" panose="02020603050405020304" pitchFamily="18" charset="0"/>
@@ -8706,7 +8350,7 @@
               <a:rPr lang="en-US" sz="2000" dirty="0">
                 <a:latin typeface="Calibri" panose="020F0502020204030204" pitchFamily="34" charset="0"/>
               </a:rPr>
-              <a:t>Empowers Users of Mixed Abilities and Skillsets</a:t>
+              <a:t>Designed for All Skill Sets</a:t>
             </a:r>
           </a:p>
           <a:p>
@@ -8728,7 +8372,7 @@
               <a:rPr lang="en-US" sz="2000" dirty="0">
                 <a:latin typeface="Calibri" panose="020F0502020204030204" pitchFamily="34" charset="0"/>
               </a:rPr>
-              <a:t>Maintain Existing SAS Language Programs and Develop New Ones</a:t>
+              <a:t>Built to Solve Business Problems</a:t>
             </a:r>
           </a:p>
           <a:p>
@@ -8750,25 +8394,51 @@
               <a:rPr lang="en-US" sz="2000" dirty="0">
                 <a:latin typeface="Calibri" panose="020F0502020204030204" pitchFamily="34" charset="0"/>
               </a:rPr>
-              <a:t>Incorporate Open-Source Components into Your Environment</a:t>
+              <a:t>Meets High Demands of Data Science and Machine Learning</a:t>
             </a:r>
           </a:p>
           <a:p>
             <a:pPr marL="0" indent="0">
               <a:buNone/>
             </a:pPr>
+            <a:endParaRPr lang="en-US" sz="1800" dirty="0">
+              <a:effectLst/>
+              <a:latin typeface="Aptos" panose="020B0004020202020204" pitchFamily="34" charset="0"/>
+              <a:ea typeface="Aptos" panose="020B0004020202020204" pitchFamily="34" charset="0"/>
+              <a:cs typeface="Aptos" panose="020B0004020202020204" pitchFamily="34" charset="0"/>
+            </a:endParaRPr>
+          </a:p>
+          <a:p>
+            <a:pPr marL="0" indent="0">
+              <a:buNone/>
+            </a:pPr>
             <a:r>
               <a:rPr lang="en-US" sz="2000" b="1" dirty="0">
                 <a:latin typeface="Calibri" panose="020F0502020204030204" pitchFamily="34" charset="0"/>
               </a:rPr>
-              <a:t>Key Features:</a:t>
+              <a:t>Key</a:t>
+            </a:r>
+            <a:r>
+              <a:rPr lang="en-US" sz="1800" b="1" dirty="0">
+                <a:latin typeface="Calibri" panose="020F0502020204030204" pitchFamily="34" charset="0"/>
+              </a:rPr>
+              <a:t> </a:t>
+            </a:r>
+            <a:r>
+              <a:rPr lang="en-US" sz="2000" b="1" dirty="0">
+                <a:latin typeface="Calibri" panose="020F0502020204030204" pitchFamily="34" charset="0"/>
+              </a:rPr>
+              <a:t>Features</a:t>
+            </a:r>
+            <a:r>
+              <a:rPr lang="en-US" sz="1800" b="1" dirty="0">
+                <a:latin typeface="Calibri" panose="020F0502020204030204" pitchFamily="34" charset="0"/>
+              </a:rPr>
+              <a:t>:</a:t>
             </a:r>
           </a:p>
           <a:p>
             <a:pPr marL="342900" indent="-342900">
-              <a:lnSpc>
-                <a:spcPct val="100000"/>
-              </a:lnSpc>
               <a:spcBef>
                 <a:spcPts val="0"/>
               </a:spcBef>
@@ -8780,17 +8450,14 @@
               </a:tabLst>
             </a:pPr>
             <a:r>
-              <a:rPr lang="en-US" sz="2000" dirty="0">
+              <a:rPr lang="en-US" sz="2100" dirty="0">
                 <a:latin typeface="Calibri" panose="020F0502020204030204" pitchFamily="34" charset="0"/>
               </a:rPr>
-              <a:t>Robust Coding Environment</a:t>
+              <a:t>No Code Machine Learning Modeling</a:t>
             </a:r>
           </a:p>
           <a:p>
             <a:pPr marL="342900" indent="-342900">
-              <a:lnSpc>
-                <a:spcPct val="100000"/>
-              </a:lnSpc>
               <a:spcBef>
                 <a:spcPts val="0"/>
               </a:spcBef>
@@ -8802,17 +8469,14 @@
               </a:tabLst>
             </a:pPr>
             <a:r>
-              <a:rPr lang="en-US" sz="2000" dirty="0">
+              <a:rPr lang="en-US" sz="2100" dirty="0">
                 <a:latin typeface="Calibri" panose="020F0502020204030204" pitchFamily="34" charset="0"/>
               </a:rPr>
-              <a:t>Visual Workflow Environment</a:t>
+              <a:t>Transparent, Explainable AI</a:t>
             </a:r>
           </a:p>
           <a:p>
             <a:pPr marL="342900" indent="-342900">
-              <a:lnSpc>
-                <a:spcPct val="100000"/>
-              </a:lnSpc>
               <a:spcBef>
                 <a:spcPts val="0"/>
               </a:spcBef>
@@ -8824,10 +8488,10 @@
               </a:tabLst>
             </a:pPr>
             <a:r>
-              <a:rPr lang="en-US" sz="2000" dirty="0">
+              <a:rPr lang="en-US" sz="2100" dirty="0">
                 <a:latin typeface="Calibri" panose="020F0502020204030204" pitchFamily="34" charset="0"/>
               </a:rPr>
-              <a:t>Data Access</a:t>
+              <a:t>Predictive Analytics to Prescriptive Analytics</a:t>
             </a:r>
           </a:p>
         </p:txBody>
@@ -9539,7 +9203,2137 @@
     </p:spTree>
     <p:extLst>
       <p:ext uri="{BB962C8B-B14F-4D97-AF65-F5344CB8AC3E}">
+        <p14:creationId xmlns:p14="http://schemas.microsoft.com/office/powerpoint/2010/main" val="1514007891"/>
+      </p:ext>
+    </p:extLst>
+  </p:cSld>
+  <p:clrMapOvr>
+    <a:masterClrMapping/>
+  </p:clrMapOvr>
+</p:sld>
+</file>
+
+<file path=ppt/slides/slide7.xml><?xml version="1.0" encoding="utf-8"?>
+<p:sld xmlns:a="http://schemas.openxmlformats.org/drawingml/2006/main" xmlns:r="http://schemas.openxmlformats.org/officeDocument/2006/relationships" xmlns:p="http://schemas.openxmlformats.org/presentationml/2006/main">
+  <p:cSld>
+    <p:spTree>
+      <p:nvGrpSpPr>
+        <p:cNvPr id="1" name=""/>
+        <p:cNvGrpSpPr/>
+        <p:nvPr/>
+      </p:nvGrpSpPr>
+      <p:grpSpPr>
+        <a:xfrm>
+          <a:off x="0" y="0"/>
+          <a:ext cx="0" cy="0"/>
+          <a:chOff x="0" y="0"/>
+          <a:chExt cx="0" cy="0"/>
+        </a:xfrm>
+      </p:grpSpPr>
+      <p:sp useBgFill="1">
+        <p:nvSpPr>
+          <p:cNvPr id="8" name="Rectangle 7">
+            <a:extLst>
+              <a:ext uri="{FF2B5EF4-FFF2-40B4-BE49-F238E27FC236}">
+                <a16:creationId xmlns:a16="http://schemas.microsoft.com/office/drawing/2014/main" id="{F837543A-6020-4505-A233-C9DB4BF74011}"/>
+              </a:ext>
+              <a:ext uri="{C183D7F6-B498-43B3-948B-1728B52AA6E4}">
+                <adec:decorative xmlns:adec="http://schemas.microsoft.com/office/drawing/2017/decorative" val="1"/>
+              </a:ext>
+            </a:extLst>
+          </p:cNvPr>
+          <p:cNvSpPr>
+            <a:spLocks noGrp="1" noRot="1" noChangeAspect="1" noMove="1" noResize="1" noEditPoints="1" noAdjustHandles="1" noChangeArrowheads="1" noChangeShapeType="1" noTextEdit="1"/>
+          </p:cNvSpPr>
+          <p:nvPr>
+            <p:extLst>
+              <p:ext uri="{386F3935-93C4-4BCD-93E2-E3B085C9AB24}">
+                <p16:designElem xmlns:p16="http://schemas.microsoft.com/office/powerpoint/2015/main" val="1"/>
+              </p:ext>
+            </p:extLst>
+          </p:nvPr>
+        </p:nvSpPr>
+        <p:spPr>
+          <a:xfrm>
+            <a:off x="3048" y="0"/>
+            <a:ext cx="12188952" cy="6858000"/>
+          </a:xfrm>
+          <a:prstGeom prst="rect">
+            <a:avLst/>
+          </a:prstGeom>
+          <a:ln>
+            <a:noFill/>
+          </a:ln>
+        </p:spPr>
+        <p:style>
+          <a:lnRef idx="2">
+            <a:schemeClr val="accent1">
+              <a:shade val="50000"/>
+            </a:schemeClr>
+          </a:lnRef>
+          <a:fillRef idx="1">
+            <a:schemeClr val="accent1"/>
+          </a:fillRef>
+          <a:effectRef idx="0">
+            <a:schemeClr val="accent1"/>
+          </a:effectRef>
+          <a:fontRef idx="minor">
+            <a:schemeClr val="lt1"/>
+          </a:fontRef>
+        </p:style>
+        <p:txBody>
+          <a:bodyPr rtlCol="0" anchor="ctr"/>
+          <a:lstStyle/>
+          <a:p>
+            <a:pPr algn="ctr"/>
+            <a:endParaRPr lang="en-US"/>
+          </a:p>
+        </p:txBody>
+      </p:sp>
+      <p:sp>
+        <p:nvSpPr>
+          <p:cNvPr id="2" name="Title 1">
+            <a:extLst>
+              <a:ext uri="{FF2B5EF4-FFF2-40B4-BE49-F238E27FC236}">
+                <a16:creationId xmlns:a16="http://schemas.microsoft.com/office/drawing/2014/main" id="{EF6EAAF1-ECC6-C4F4-F704-74CF6EE397E8}"/>
+              </a:ext>
+            </a:extLst>
+          </p:cNvPr>
+          <p:cNvSpPr>
+            <a:spLocks noGrp="1"/>
+          </p:cNvSpPr>
+          <p:nvPr>
+            <p:ph type="title"/>
+          </p:nvPr>
+        </p:nvSpPr>
+        <p:spPr>
+          <a:xfrm>
+            <a:off x="838200" y="365125"/>
+            <a:ext cx="5558489" cy="1325563"/>
+          </a:xfrm>
+        </p:spPr>
+        <p:txBody>
+          <a:bodyPr>
+            <a:normAutofit/>
+          </a:bodyPr>
+          <a:lstStyle/>
+          <a:p>
+            <a:r>
+              <a:rPr lang="en-US" b="1" dirty="0">
+                <a:solidFill>
+                  <a:srgbClr val="FA4616"/>
+                </a:solidFill>
+                <a:highlight>
+                  <a:srgbClr val="FFFFFF"/>
+                </a:highlight>
+                <a:latin typeface="HCo Gotham SSm"/>
+              </a:rPr>
+              <a:t>Analytics Workbench</a:t>
+            </a:r>
+          </a:p>
+        </p:txBody>
+      </p:sp>
+      <p:sp>
+        <p:nvSpPr>
+          <p:cNvPr id="10" name="Freeform: Shape 9">
+            <a:extLst>
+              <a:ext uri="{FF2B5EF4-FFF2-40B4-BE49-F238E27FC236}">
+                <a16:creationId xmlns:a16="http://schemas.microsoft.com/office/drawing/2014/main" id="{35B16301-FB18-48BA-A6DD-C37CAF6F9A18}"/>
+              </a:ext>
+              <a:ext uri="{C183D7F6-B498-43B3-948B-1728B52AA6E4}">
+                <adec:decorative xmlns:adec="http://schemas.microsoft.com/office/drawing/2017/decorative" val="1"/>
+              </a:ext>
+            </a:extLst>
+          </p:cNvPr>
+          <p:cNvSpPr>
+            <a:spLocks noGrp="1" noRot="1" noChangeAspect="1" noMove="1" noResize="1" noEditPoints="1" noAdjustHandles="1" noChangeArrowheads="1" noChangeShapeType="1" noTextEdit="1"/>
+          </p:cNvSpPr>
+          <p:nvPr>
+            <p:extLst>
+              <p:ext uri="{386F3935-93C4-4BCD-93E2-E3B085C9AB24}">
+                <p16:designElem xmlns:p16="http://schemas.microsoft.com/office/powerpoint/2015/main" val="1"/>
+              </p:ext>
+            </p:extLst>
+          </p:nvPr>
+        </p:nvSpPr>
+        <p:spPr>
+          <a:xfrm>
+            <a:off x="10208695" y="1"/>
+            <a:ext cx="1135066" cy="477997"/>
+          </a:xfrm>
+          <a:custGeom>
+            <a:avLst/>
+            <a:gdLst>
+              <a:gd name="connsiteX0" fmla="*/ 0 w 1135066"/>
+              <a:gd name="connsiteY0" fmla="*/ 0 h 477997"/>
+              <a:gd name="connsiteX1" fmla="*/ 1135066 w 1135066"/>
+              <a:gd name="connsiteY1" fmla="*/ 0 h 477997"/>
+              <a:gd name="connsiteX2" fmla="*/ 1133370 w 1135066"/>
+              <a:gd name="connsiteY2" fmla="*/ 16827 h 477997"/>
+              <a:gd name="connsiteX3" fmla="*/ 567533 w 1135066"/>
+              <a:gd name="connsiteY3" fmla="*/ 477997 h 477997"/>
+              <a:gd name="connsiteX4" fmla="*/ 1696 w 1135066"/>
+              <a:gd name="connsiteY4" fmla="*/ 16827 h 477997"/>
+            </a:gdLst>
+            <a:ahLst/>
+            <a:cxnLst>
+              <a:cxn ang="0">
+                <a:pos x="connsiteX0" y="connsiteY0"/>
+              </a:cxn>
+              <a:cxn ang="0">
+                <a:pos x="connsiteX1" y="connsiteY1"/>
+              </a:cxn>
+              <a:cxn ang="0">
+                <a:pos x="connsiteX2" y="connsiteY2"/>
+              </a:cxn>
+              <a:cxn ang="0">
+                <a:pos x="connsiteX3" y="connsiteY3"/>
+              </a:cxn>
+              <a:cxn ang="0">
+                <a:pos x="connsiteX4" y="connsiteY4"/>
+              </a:cxn>
+            </a:cxnLst>
+            <a:rect l="l" t="t" r="r" b="b"/>
+            <a:pathLst>
+              <a:path w="1135066" h="477997">
+                <a:moveTo>
+                  <a:pt x="0" y="0"/>
+                </a:moveTo>
+                <a:lnTo>
+                  <a:pt x="1135066" y="0"/>
+                </a:lnTo>
+                <a:lnTo>
+                  <a:pt x="1133370" y="16827"/>
+                </a:lnTo>
+                <a:cubicBezTo>
+                  <a:pt x="1079514" y="280016"/>
+                  <a:pt x="846644" y="477997"/>
+                  <a:pt x="567533" y="477997"/>
+                </a:cubicBezTo>
+                <a:cubicBezTo>
+                  <a:pt x="288422" y="477997"/>
+                  <a:pt x="55552" y="280016"/>
+                  <a:pt x="1696" y="16827"/>
+                </a:cubicBezTo>
+                <a:close/>
+              </a:path>
+            </a:pathLst>
+          </a:custGeom>
+          <a:solidFill>
+            <a:schemeClr val="accent5"/>
+          </a:solidFill>
+          <a:ln>
+            <a:noFill/>
+          </a:ln>
+        </p:spPr>
+        <p:style>
+          <a:lnRef idx="2">
+            <a:schemeClr val="accent1">
+              <a:shade val="50000"/>
+            </a:schemeClr>
+          </a:lnRef>
+          <a:fillRef idx="1">
+            <a:schemeClr val="accent1"/>
+          </a:fillRef>
+          <a:effectRef idx="0">
+            <a:schemeClr val="accent1"/>
+          </a:effectRef>
+          <a:fontRef idx="minor">
+            <a:schemeClr val="lt1"/>
+          </a:fontRef>
+        </p:style>
+        <p:txBody>
+          <a:bodyPr wrap="square" rtlCol="0" anchor="ctr">
+            <a:noAutofit/>
+          </a:bodyPr>
+          <a:lstStyle/>
+          <a:p>
+            <a:pPr algn="ctr"/>
+            <a:endParaRPr lang="en-US"/>
+          </a:p>
+        </p:txBody>
+      </p:sp>
+      <p:sp>
+        <p:nvSpPr>
+          <p:cNvPr id="3" name="Content Placeholder 2">
+            <a:extLst>
+              <a:ext uri="{FF2B5EF4-FFF2-40B4-BE49-F238E27FC236}">
+                <a16:creationId xmlns:a16="http://schemas.microsoft.com/office/drawing/2014/main" id="{958128DA-C0D2-1EAE-F119-B91F80CF9E1A}"/>
+              </a:ext>
+            </a:extLst>
+          </p:cNvPr>
+          <p:cNvSpPr>
+            <a:spLocks noGrp="1"/>
+          </p:cNvSpPr>
+          <p:nvPr>
+            <p:ph idx="1"/>
+          </p:nvPr>
+        </p:nvSpPr>
+        <p:spPr>
+          <a:xfrm>
+            <a:off x="838200" y="1825625"/>
+            <a:ext cx="5558489" cy="4351338"/>
+          </a:xfrm>
+        </p:spPr>
+        <p:txBody>
+          <a:bodyPr>
+            <a:normAutofit lnSpcReduction="10000"/>
+          </a:bodyPr>
+          <a:lstStyle/>
+          <a:p>
+            <a:pPr marL="0" indent="0">
+              <a:buNone/>
+            </a:pPr>
+            <a:r>
+              <a:rPr lang="en-US" sz="2000" dirty="0">
+                <a:latin typeface="Calibri" panose="020F0502020204030204" pitchFamily="34" charset="0"/>
+              </a:rPr>
+              <a:t>Analytics Workbench is a sophisticated coding environment that offers comprehensive support for development along with assistance for building models and multi-language coding, supporting the SAS language, Python, R, and SQL.</a:t>
+            </a:r>
+          </a:p>
+          <a:p>
+            <a:pPr marL="0" indent="0">
+              <a:buNone/>
+            </a:pPr>
+            <a:r>
+              <a:rPr lang="en-US" sz="2000" b="1" dirty="0">
+                <a:latin typeface="Calibri" panose="020F0502020204030204" pitchFamily="34" charset="0"/>
+              </a:rPr>
+              <a:t>Benefits</a:t>
+            </a:r>
+            <a:r>
+              <a:rPr lang="en-US" sz="1500" b="1" dirty="0">
+                <a:effectLst/>
+                <a:latin typeface="Calibri" panose="020F0502020204030204" pitchFamily="34" charset="0"/>
+                <a:ea typeface="Times New Roman" panose="02020603050405020304" pitchFamily="18" charset="0"/>
+                <a:cs typeface="Aptos" panose="020B0004020202020204" pitchFamily="34" charset="0"/>
+              </a:rPr>
+              <a:t>:</a:t>
+            </a:r>
+          </a:p>
+          <a:p>
+            <a:pPr marL="342900" marR="0" lvl="0" indent="-342900">
+              <a:spcBef>
+                <a:spcPts val="0"/>
+              </a:spcBef>
+              <a:spcAft>
+                <a:spcPts val="0"/>
+              </a:spcAft>
+              <a:buSzPts val="1000"/>
+              <a:buFont typeface="Symbol" panose="05050102010706020507" pitchFamily="18" charset="2"/>
+              <a:buChar char=""/>
+              <a:tabLst>
+                <a:tab pos="457200" algn="l"/>
+              </a:tabLst>
+            </a:pPr>
+            <a:r>
+              <a:rPr lang="en-US" sz="2000" dirty="0">
+                <a:latin typeface="Calibri" panose="020F0502020204030204" pitchFamily="34" charset="0"/>
+              </a:rPr>
+              <a:t>Empowers Users of Mixed Abilities and Skillsets</a:t>
+            </a:r>
+          </a:p>
+          <a:p>
+            <a:pPr marL="342900" marR="0" lvl="0" indent="-342900">
+              <a:spcBef>
+                <a:spcPts val="0"/>
+              </a:spcBef>
+              <a:spcAft>
+                <a:spcPts val="0"/>
+              </a:spcAft>
+              <a:buSzPts val="1000"/>
+              <a:buFont typeface="Symbol" panose="05050102010706020507" pitchFamily="18" charset="2"/>
+              <a:buChar char=""/>
+              <a:tabLst>
+                <a:tab pos="457200" algn="l"/>
+              </a:tabLst>
+            </a:pPr>
+            <a:r>
+              <a:rPr lang="en-US" sz="2000" dirty="0">
+                <a:latin typeface="Calibri" panose="020F0502020204030204" pitchFamily="34" charset="0"/>
+              </a:rPr>
+              <a:t>Maintain Existing SAS Language Programs and Develop New Ones</a:t>
+            </a:r>
+          </a:p>
+          <a:p>
+            <a:pPr marL="342900" marR="0" lvl="0" indent="-342900">
+              <a:spcBef>
+                <a:spcPts val="0"/>
+              </a:spcBef>
+              <a:spcAft>
+                <a:spcPts val="0"/>
+              </a:spcAft>
+              <a:buSzPts val="1000"/>
+              <a:buFont typeface="Symbol" panose="05050102010706020507" pitchFamily="18" charset="2"/>
+              <a:buChar char=""/>
+              <a:tabLst>
+                <a:tab pos="457200" algn="l"/>
+              </a:tabLst>
+            </a:pPr>
+            <a:r>
+              <a:rPr lang="en-US" sz="2000" dirty="0">
+                <a:latin typeface="Calibri" panose="020F0502020204030204" pitchFamily="34" charset="0"/>
+              </a:rPr>
+              <a:t>Incorporate Open-Source Components into Your Environment</a:t>
+            </a:r>
+          </a:p>
+          <a:p>
+            <a:pPr marL="0" indent="0">
+              <a:buNone/>
+            </a:pPr>
+            <a:r>
+              <a:rPr lang="en-US" sz="2000" b="1" dirty="0">
+                <a:latin typeface="Calibri" panose="020F0502020204030204" pitchFamily="34" charset="0"/>
+              </a:rPr>
+              <a:t>Key Features:</a:t>
+            </a:r>
+          </a:p>
+          <a:p>
+            <a:pPr marL="342900" indent="-342900">
+              <a:lnSpc>
+                <a:spcPct val="100000"/>
+              </a:lnSpc>
+              <a:spcBef>
+                <a:spcPts val="0"/>
+              </a:spcBef>
+              <a:buSzPts val="1000"/>
+              <a:buFont typeface="Symbol" panose="05050102010706020507" pitchFamily="18" charset="2"/>
+              <a:buChar char=""/>
+              <a:tabLst>
+                <a:tab pos="457200" algn="l"/>
+              </a:tabLst>
+            </a:pPr>
+            <a:r>
+              <a:rPr lang="en-US" sz="2000" dirty="0">
+                <a:latin typeface="Calibri" panose="020F0502020204030204" pitchFamily="34" charset="0"/>
+              </a:rPr>
+              <a:t>Robust Coding Environment</a:t>
+            </a:r>
+          </a:p>
+          <a:p>
+            <a:pPr marL="342900" indent="-342900">
+              <a:lnSpc>
+                <a:spcPct val="100000"/>
+              </a:lnSpc>
+              <a:spcBef>
+                <a:spcPts val="0"/>
+              </a:spcBef>
+              <a:buSzPts val="1000"/>
+              <a:buFont typeface="Symbol" panose="05050102010706020507" pitchFamily="18" charset="2"/>
+              <a:buChar char=""/>
+              <a:tabLst>
+                <a:tab pos="457200" algn="l"/>
+              </a:tabLst>
+            </a:pPr>
+            <a:r>
+              <a:rPr lang="en-US" sz="2000" dirty="0">
+                <a:latin typeface="Calibri" panose="020F0502020204030204" pitchFamily="34" charset="0"/>
+              </a:rPr>
+              <a:t>Visual Workflow Environment</a:t>
+            </a:r>
+          </a:p>
+          <a:p>
+            <a:pPr marL="342900" indent="-342900">
+              <a:lnSpc>
+                <a:spcPct val="100000"/>
+              </a:lnSpc>
+              <a:spcBef>
+                <a:spcPts val="0"/>
+              </a:spcBef>
+              <a:buSzPts val="1000"/>
+              <a:buFont typeface="Symbol" panose="05050102010706020507" pitchFamily="18" charset="2"/>
+              <a:buChar char=""/>
+              <a:tabLst>
+                <a:tab pos="457200" algn="l"/>
+              </a:tabLst>
+            </a:pPr>
+            <a:r>
+              <a:rPr lang="en-US" sz="2000" dirty="0">
+                <a:latin typeface="Calibri" panose="020F0502020204030204" pitchFamily="34" charset="0"/>
+              </a:rPr>
+              <a:t>Data Access</a:t>
+            </a:r>
+          </a:p>
+        </p:txBody>
+      </p:sp>
+      <p:sp>
+        <p:nvSpPr>
+          <p:cNvPr id="12" name="Oval 11">
+            <a:extLst>
+              <a:ext uri="{FF2B5EF4-FFF2-40B4-BE49-F238E27FC236}">
+                <a16:creationId xmlns:a16="http://schemas.microsoft.com/office/drawing/2014/main" id="{C3C0D90E-074A-4F52-9B11-B52BEF4BCBE5}"/>
+              </a:ext>
+              <a:ext uri="{C183D7F6-B498-43B3-948B-1728B52AA6E4}">
+                <adec:decorative xmlns:adec="http://schemas.microsoft.com/office/drawing/2017/decorative" val="1"/>
+              </a:ext>
+            </a:extLst>
+          </p:cNvPr>
+          <p:cNvSpPr>
+            <a:spLocks noGrp="1" noRot="1" noChangeAspect="1" noMove="1" noResize="1" noEditPoints="1" noAdjustHandles="1" noChangeArrowheads="1" noChangeShapeType="1" noTextEdit="1"/>
+          </p:cNvSpPr>
+          <p:nvPr>
+            <p:extLst>
+              <p:ext uri="{386F3935-93C4-4BCD-93E2-E3B085C9AB24}">
+                <p16:designElem xmlns:p16="http://schemas.microsoft.com/office/powerpoint/2015/main" val="1"/>
+              </p:ext>
+            </p:extLst>
+          </p:nvPr>
+        </p:nvSpPr>
+        <p:spPr>
+          <a:xfrm>
+            <a:off x="6821310" y="2624479"/>
+            <a:ext cx="812427" cy="812427"/>
+          </a:xfrm>
+          <a:prstGeom prst="ellipse">
+            <a:avLst/>
+          </a:prstGeom>
+          <a:noFill/>
+          <a:ln w="127000">
+            <a:solidFill>
+              <a:schemeClr val="accent5"/>
+            </a:solidFill>
+          </a:ln>
+        </p:spPr>
+        <p:style>
+          <a:lnRef idx="2">
+            <a:schemeClr val="accent1">
+              <a:shade val="50000"/>
+            </a:schemeClr>
+          </a:lnRef>
+          <a:fillRef idx="1">
+            <a:schemeClr val="accent1"/>
+          </a:fillRef>
+          <a:effectRef idx="0">
+            <a:schemeClr val="accent1"/>
+          </a:effectRef>
+          <a:fontRef idx="minor">
+            <a:schemeClr val="lt1"/>
+          </a:fontRef>
+        </p:style>
+        <p:txBody>
+          <a:bodyPr rtlCol="0" anchor="ctr"/>
+          <a:lstStyle/>
+          <a:p>
+            <a:pPr algn="ctr"/>
+            <a:endParaRPr lang="en-US" dirty="0"/>
+          </a:p>
+        </p:txBody>
+      </p:sp>
+      <p:sp>
+        <p:nvSpPr>
+          <p:cNvPr id="14" name="Block Arc 13">
+            <a:extLst>
+              <a:ext uri="{FF2B5EF4-FFF2-40B4-BE49-F238E27FC236}">
+                <a16:creationId xmlns:a16="http://schemas.microsoft.com/office/drawing/2014/main" id="{CABBD4C1-E6F8-46F6-8152-A8A97490BF4D}"/>
+              </a:ext>
+              <a:ext uri="{C183D7F6-B498-43B3-948B-1728B52AA6E4}">
+                <adec:decorative xmlns:adec="http://schemas.microsoft.com/office/drawing/2017/decorative" val="1"/>
+              </a:ext>
+            </a:extLst>
+          </p:cNvPr>
+          <p:cNvSpPr>
+            <a:spLocks noGrp="1" noRot="1" noChangeAspect="1" noMove="1" noResize="1" noEditPoints="1" noAdjustHandles="1" noChangeArrowheads="1" noChangeShapeType="1" noTextEdit="1"/>
+          </p:cNvSpPr>
+          <p:nvPr>
+            <p:extLst>
+              <p:ext uri="{386F3935-93C4-4BCD-93E2-E3B085C9AB24}">
+                <p16:designElem xmlns:p16="http://schemas.microsoft.com/office/powerpoint/2015/main" val="1"/>
+              </p:ext>
+            </p:extLst>
+          </p:nvPr>
+        </p:nvSpPr>
+        <p:spPr>
+          <a:xfrm rot="16200000">
+            <a:off x="8912417" y="1218531"/>
+            <a:ext cx="2387600" cy="2387600"/>
+          </a:xfrm>
+          <a:prstGeom prst="blockArc">
+            <a:avLst/>
+          </a:prstGeom>
+          <a:solidFill>
+            <a:schemeClr val="accent2"/>
+          </a:solidFill>
+          <a:ln>
+            <a:noFill/>
+          </a:ln>
+        </p:spPr>
+        <p:style>
+          <a:lnRef idx="2">
+            <a:schemeClr val="accent1">
+              <a:shade val="50000"/>
+            </a:schemeClr>
+          </a:lnRef>
+          <a:fillRef idx="1">
+            <a:schemeClr val="accent1"/>
+          </a:fillRef>
+          <a:effectRef idx="0">
+            <a:schemeClr val="accent1"/>
+          </a:effectRef>
+          <a:fontRef idx="minor">
+            <a:schemeClr val="lt1"/>
+          </a:fontRef>
+        </p:style>
+        <p:txBody>
+          <a:bodyPr rtlCol="0" anchor="ctr"/>
+          <a:lstStyle/>
+          <a:p>
+            <a:pPr algn="ctr"/>
+            <a:endParaRPr lang="en-US">
+              <a:solidFill>
+                <a:schemeClr val="tx1"/>
+              </a:solidFill>
+            </a:endParaRPr>
+          </a:p>
+        </p:txBody>
+      </p:sp>
+      <p:sp>
+        <p:nvSpPr>
+          <p:cNvPr id="16" name="Freeform: Shape 15">
+            <a:extLst>
+              <a:ext uri="{FF2B5EF4-FFF2-40B4-BE49-F238E27FC236}">
+                <a16:creationId xmlns:a16="http://schemas.microsoft.com/office/drawing/2014/main" id="{83BA5EF5-1FE9-4BF9-83BB-269BCDDF6156}"/>
+              </a:ext>
+              <a:ext uri="{C183D7F6-B498-43B3-948B-1728B52AA6E4}">
+                <adec:decorative xmlns:adec="http://schemas.microsoft.com/office/drawing/2017/decorative" val="1"/>
+              </a:ext>
+            </a:extLst>
+          </p:cNvPr>
+          <p:cNvSpPr>
+            <a:spLocks noGrp="1" noRot="1" noChangeAspect="1" noMove="1" noResize="1" noEditPoints="1" noAdjustHandles="1" noChangeArrowheads="1" noChangeShapeType="1" noTextEdit="1"/>
+          </p:cNvSpPr>
+          <p:nvPr>
+            <p:extLst>
+              <p:ext uri="{386F3935-93C4-4BCD-93E2-E3B085C9AB24}">
+                <p16:designElem xmlns:p16="http://schemas.microsoft.com/office/powerpoint/2015/main" val="1"/>
+              </p:ext>
+            </p:extLst>
+          </p:nvPr>
+        </p:nvSpPr>
+        <p:spPr>
+          <a:xfrm>
+            <a:off x="6821310" y="0"/>
+            <a:ext cx="2315251" cy="1550992"/>
+          </a:xfrm>
+          <a:custGeom>
+            <a:avLst/>
+            <a:gdLst>
+              <a:gd name="connsiteX0" fmla="*/ 0 w 2315251"/>
+              <a:gd name="connsiteY0" fmla="*/ 0 h 1550992"/>
+              <a:gd name="connsiteX1" fmla="*/ 138700 w 2315251"/>
+              <a:gd name="connsiteY1" fmla="*/ 0 h 1550992"/>
+              <a:gd name="connsiteX2" fmla="*/ 138700 w 2315251"/>
+              <a:gd name="connsiteY2" fmla="*/ 1361400 h 1550992"/>
+              <a:gd name="connsiteX3" fmla="*/ 2107387 w 2315251"/>
+              <a:gd name="connsiteY3" fmla="*/ 222673 h 1550992"/>
+              <a:gd name="connsiteX4" fmla="*/ 1722420 w 2315251"/>
+              <a:gd name="connsiteY4" fmla="*/ 0 h 1550992"/>
+              <a:gd name="connsiteX5" fmla="*/ 1999436 w 2315251"/>
+              <a:gd name="connsiteY5" fmla="*/ 0 h 1550992"/>
+              <a:gd name="connsiteX6" fmla="*/ 2280549 w 2315251"/>
+              <a:gd name="connsiteY6" fmla="*/ 162605 h 1550992"/>
+              <a:gd name="connsiteX7" fmla="*/ 2305953 w 2315251"/>
+              <a:gd name="connsiteY7" fmla="*/ 257336 h 1550992"/>
+              <a:gd name="connsiteX8" fmla="*/ 2280549 w 2315251"/>
+              <a:gd name="connsiteY8" fmla="*/ 282740 h 1550992"/>
+              <a:gd name="connsiteX9" fmla="*/ 104026 w 2315251"/>
+              <a:gd name="connsiteY9" fmla="*/ 1541710 h 1550992"/>
+              <a:gd name="connsiteX10" fmla="*/ 69351 w 2315251"/>
+              <a:gd name="connsiteY10" fmla="*/ 1550992 h 1550992"/>
+              <a:gd name="connsiteX11" fmla="*/ 0 w 2315251"/>
+              <a:gd name="connsiteY11" fmla="*/ 1481643 h 1550992"/>
+            </a:gdLst>
+            <a:ahLst/>
+            <a:cxnLst>
+              <a:cxn ang="0">
+                <a:pos x="connsiteX0" y="connsiteY0"/>
+              </a:cxn>
+              <a:cxn ang="0">
+                <a:pos x="connsiteX1" y="connsiteY1"/>
+              </a:cxn>
+              <a:cxn ang="0">
+                <a:pos x="connsiteX2" y="connsiteY2"/>
+              </a:cxn>
+              <a:cxn ang="0">
+                <a:pos x="connsiteX3" y="connsiteY3"/>
+              </a:cxn>
+              <a:cxn ang="0">
+                <a:pos x="connsiteX4" y="connsiteY4"/>
+              </a:cxn>
+              <a:cxn ang="0">
+                <a:pos x="connsiteX5" y="connsiteY5"/>
+              </a:cxn>
+              <a:cxn ang="0">
+                <a:pos x="connsiteX6" y="connsiteY6"/>
+              </a:cxn>
+              <a:cxn ang="0">
+                <a:pos x="connsiteX7" y="connsiteY7"/>
+              </a:cxn>
+              <a:cxn ang="0">
+                <a:pos x="connsiteX8" y="connsiteY8"/>
+              </a:cxn>
+              <a:cxn ang="0">
+                <a:pos x="connsiteX9" y="connsiteY9"/>
+              </a:cxn>
+              <a:cxn ang="0">
+                <a:pos x="connsiteX10" y="connsiteY10"/>
+              </a:cxn>
+              <a:cxn ang="0">
+                <a:pos x="connsiteX11" y="connsiteY11"/>
+              </a:cxn>
+            </a:cxnLst>
+            <a:rect l="l" t="t" r="r" b="b"/>
+            <a:pathLst>
+              <a:path w="2315251" h="1550992">
+                <a:moveTo>
+                  <a:pt x="0" y="0"/>
+                </a:moveTo>
+                <a:lnTo>
+                  <a:pt x="138700" y="0"/>
+                </a:lnTo>
+                <a:lnTo>
+                  <a:pt x="138700" y="1361400"/>
+                </a:lnTo>
+                <a:lnTo>
+                  <a:pt x="2107387" y="222673"/>
+                </a:lnTo>
+                <a:lnTo>
+                  <a:pt x="1722420" y="0"/>
+                </a:lnTo>
+                <a:lnTo>
+                  <a:pt x="1999436" y="0"/>
+                </a:lnTo>
+                <a:lnTo>
+                  <a:pt x="2280549" y="162605"/>
+                </a:lnTo>
+                <a:cubicBezTo>
+                  <a:pt x="2313720" y="181745"/>
+                  <a:pt x="2325104" y="224155"/>
+                  <a:pt x="2305953" y="257336"/>
+                </a:cubicBezTo>
+                <a:cubicBezTo>
+                  <a:pt x="2299872" y="267889"/>
+                  <a:pt x="2291101" y="276648"/>
+                  <a:pt x="2280549" y="282740"/>
+                </a:cubicBezTo>
+                <a:lnTo>
+                  <a:pt x="104026" y="1541710"/>
+                </a:lnTo>
+                <a:cubicBezTo>
+                  <a:pt x="93484" y="1547802"/>
+                  <a:pt x="81523" y="1551003"/>
+                  <a:pt x="69351" y="1550992"/>
+                </a:cubicBezTo>
+                <a:cubicBezTo>
+                  <a:pt x="31049" y="1550992"/>
+                  <a:pt x="0" y="1519944"/>
+                  <a:pt x="0" y="1481643"/>
+                </a:cubicBezTo>
+                <a:close/>
+              </a:path>
+            </a:pathLst>
+          </a:custGeom>
+          <a:solidFill>
+            <a:schemeClr val="accent6"/>
+          </a:solidFill>
+          <a:ln w="9525" cap="flat">
+            <a:noFill/>
+            <a:prstDash val="solid"/>
+            <a:miter/>
+          </a:ln>
+        </p:spPr>
+        <p:txBody>
+          <a:bodyPr rtlCol="0" anchor="ctr"/>
+          <a:lstStyle/>
+          <a:p>
+            <a:endParaRPr lang="en-US" dirty="0"/>
+          </a:p>
+        </p:txBody>
+      </p:sp>
+      <p:cxnSp>
+        <p:nvCxnSpPr>
+          <p:cNvPr id="18" name="Straight Connector 17">
+            <a:extLst>
+              <a:ext uri="{FF2B5EF4-FFF2-40B4-BE49-F238E27FC236}">
+                <a16:creationId xmlns:a16="http://schemas.microsoft.com/office/drawing/2014/main" id="{4B3BCACB-5880-460B-9606-8C433A9AF99D}"/>
+              </a:ext>
+              <a:ext uri="{C183D7F6-B498-43B3-948B-1728B52AA6E4}">
+                <adec:decorative xmlns:adec="http://schemas.microsoft.com/office/drawing/2017/decorative" val="1"/>
+              </a:ext>
+            </a:extLst>
+          </p:cNvPr>
+          <p:cNvCxnSpPr>
+            <a:cxnSpLocks noGrp="1" noRot="1" noChangeAspect="1" noMove="1" noResize="1" noEditPoints="1" noAdjustHandles="1" noChangeArrowheads="1" noChangeShapeType="1"/>
+          </p:cNvCxnSpPr>
+          <p:nvPr>
+            <p:extLst>
+              <p:ext uri="{386F3935-93C4-4BCD-93E2-E3B085C9AB24}">
+                <p16:designElem xmlns:p16="http://schemas.microsoft.com/office/powerpoint/2015/main" val="1"/>
+              </p:ext>
+            </p:extLst>
+          </p:nvPr>
+        </p:nvCxnSpPr>
+        <p:spPr>
+          <a:xfrm>
+            <a:off x="11724638" y="1331572"/>
+            <a:ext cx="0" cy="1597708"/>
+          </a:xfrm>
+          <a:prstGeom prst="line">
+            <a:avLst/>
+          </a:prstGeom>
+          <a:ln w="127000" cap="rnd">
+            <a:solidFill>
+              <a:schemeClr val="accent4"/>
+            </a:solidFill>
+            <a:prstDash val="dash"/>
+          </a:ln>
+        </p:spPr>
+        <p:style>
+          <a:lnRef idx="1">
+            <a:schemeClr val="accent1"/>
+          </a:lnRef>
+          <a:fillRef idx="0">
+            <a:schemeClr val="accent1"/>
+          </a:fillRef>
+          <a:effectRef idx="0">
+            <a:schemeClr val="accent1"/>
+          </a:effectRef>
+          <a:fontRef idx="minor">
+            <a:schemeClr val="tx1"/>
+          </a:fontRef>
+        </p:style>
+      </p:cxnSp>
+      <p:sp>
+        <p:nvSpPr>
+          <p:cNvPr id="20" name="Freeform: Shape 19">
+            <a:extLst>
+              <a:ext uri="{FF2B5EF4-FFF2-40B4-BE49-F238E27FC236}">
+                <a16:creationId xmlns:a16="http://schemas.microsoft.com/office/drawing/2014/main" id="{88853921-7BC9-4BDE-ACAB-133C683C82D6}"/>
+              </a:ext>
+              <a:ext uri="{C183D7F6-B498-43B3-948B-1728B52AA6E4}">
+                <adec:decorative xmlns:adec="http://schemas.microsoft.com/office/drawing/2017/decorative" val="1"/>
+              </a:ext>
+            </a:extLst>
+          </p:cNvPr>
+          <p:cNvSpPr>
+            <a:spLocks noGrp="1" noRot="1" noChangeAspect="1" noMove="1" noResize="1" noEditPoints="1" noAdjustHandles="1" noChangeArrowheads="1" noChangeShapeType="1" noTextEdit="1"/>
+          </p:cNvSpPr>
+          <p:nvPr>
+            <p:extLst>
+              <p:ext uri="{386F3935-93C4-4BCD-93E2-E3B085C9AB24}">
+                <p16:designElem xmlns:p16="http://schemas.microsoft.com/office/powerpoint/2015/main" val="1"/>
+              </p:ext>
+            </p:extLst>
+          </p:nvPr>
+        </p:nvSpPr>
+        <p:spPr>
+          <a:xfrm>
+            <a:off x="11005550" y="4112081"/>
+            <a:ext cx="1186451" cy="1771650"/>
+          </a:xfrm>
+          <a:custGeom>
+            <a:avLst/>
+            <a:gdLst>
+              <a:gd name="connsiteX0" fmla="*/ 61913 w 1186451"/>
+              <a:gd name="connsiteY0" fmla="*/ 0 h 1771650"/>
+              <a:gd name="connsiteX1" fmla="*/ 1186451 w 1186451"/>
+              <a:gd name="connsiteY1" fmla="*/ 0 h 1771650"/>
+              <a:gd name="connsiteX2" fmla="*/ 1186451 w 1186451"/>
+              <a:gd name="connsiteY2" fmla="*/ 123825 h 1771650"/>
+              <a:gd name="connsiteX3" fmla="*/ 123825 w 1186451"/>
+              <a:gd name="connsiteY3" fmla="*/ 123825 h 1771650"/>
+              <a:gd name="connsiteX4" fmla="*/ 123825 w 1186451"/>
+              <a:gd name="connsiteY4" fmla="*/ 1647825 h 1771650"/>
+              <a:gd name="connsiteX5" fmla="*/ 1186451 w 1186451"/>
+              <a:gd name="connsiteY5" fmla="*/ 1647825 h 1771650"/>
+              <a:gd name="connsiteX6" fmla="*/ 1186451 w 1186451"/>
+              <a:gd name="connsiteY6" fmla="*/ 1771650 h 1771650"/>
+              <a:gd name="connsiteX7" fmla="*/ 61913 w 1186451"/>
+              <a:gd name="connsiteY7" fmla="*/ 1771650 h 1771650"/>
+              <a:gd name="connsiteX8" fmla="*/ 0 w 1186451"/>
+              <a:gd name="connsiteY8" fmla="*/ 1709738 h 1771650"/>
+              <a:gd name="connsiteX9" fmla="*/ 0 w 1186451"/>
+              <a:gd name="connsiteY9" fmla="*/ 61913 h 1771650"/>
+              <a:gd name="connsiteX10" fmla="*/ 61913 w 1186451"/>
+              <a:gd name="connsiteY10" fmla="*/ 0 h 1771650"/>
+            </a:gdLst>
+            <a:ahLst/>
+            <a:cxnLst>
+              <a:cxn ang="0">
+                <a:pos x="connsiteX0" y="connsiteY0"/>
+              </a:cxn>
+              <a:cxn ang="0">
+                <a:pos x="connsiteX1" y="connsiteY1"/>
+              </a:cxn>
+              <a:cxn ang="0">
+                <a:pos x="connsiteX2" y="connsiteY2"/>
+              </a:cxn>
+              <a:cxn ang="0">
+                <a:pos x="connsiteX3" y="connsiteY3"/>
+              </a:cxn>
+              <a:cxn ang="0">
+                <a:pos x="connsiteX4" y="connsiteY4"/>
+              </a:cxn>
+              <a:cxn ang="0">
+                <a:pos x="connsiteX5" y="connsiteY5"/>
+              </a:cxn>
+              <a:cxn ang="0">
+                <a:pos x="connsiteX6" y="connsiteY6"/>
+              </a:cxn>
+              <a:cxn ang="0">
+                <a:pos x="connsiteX7" y="connsiteY7"/>
+              </a:cxn>
+              <a:cxn ang="0">
+                <a:pos x="connsiteX8" y="connsiteY8"/>
+              </a:cxn>
+              <a:cxn ang="0">
+                <a:pos x="connsiteX9" y="connsiteY9"/>
+              </a:cxn>
+              <a:cxn ang="0">
+                <a:pos x="connsiteX10" y="connsiteY10"/>
+              </a:cxn>
+            </a:cxnLst>
+            <a:rect l="l" t="t" r="r" b="b"/>
+            <a:pathLst>
+              <a:path w="1186451" h="1771650">
+                <a:moveTo>
+                  <a:pt x="61913" y="0"/>
+                </a:moveTo>
+                <a:lnTo>
+                  <a:pt x="1186451" y="0"/>
+                </a:lnTo>
+                <a:lnTo>
+                  <a:pt x="1186451" y="123825"/>
+                </a:lnTo>
+                <a:lnTo>
+                  <a:pt x="123825" y="123825"/>
+                </a:lnTo>
+                <a:lnTo>
+                  <a:pt x="123825" y="1647825"/>
+                </a:lnTo>
+                <a:lnTo>
+                  <a:pt x="1186451" y="1647825"/>
+                </a:lnTo>
+                <a:lnTo>
+                  <a:pt x="1186451" y="1771650"/>
+                </a:lnTo>
+                <a:lnTo>
+                  <a:pt x="61913" y="1771650"/>
+                </a:lnTo>
+                <a:cubicBezTo>
+                  <a:pt x="27719" y="1771650"/>
+                  <a:pt x="0" y="1743932"/>
+                  <a:pt x="0" y="1709738"/>
+                </a:cubicBezTo>
+                <a:lnTo>
+                  <a:pt x="0" y="61913"/>
+                </a:lnTo>
+                <a:cubicBezTo>
+                  <a:pt x="0" y="27719"/>
+                  <a:pt x="27719" y="0"/>
+                  <a:pt x="61913" y="0"/>
+                </a:cubicBezTo>
+                <a:close/>
+              </a:path>
+            </a:pathLst>
+          </a:custGeom>
+          <a:solidFill>
+            <a:schemeClr val="accent6"/>
+          </a:solidFill>
+          <a:ln w="9525" cap="flat">
+            <a:noFill/>
+            <a:prstDash val="solid"/>
+            <a:miter/>
+          </a:ln>
+        </p:spPr>
+        <p:txBody>
+          <a:bodyPr rtlCol="0" anchor="ctr"/>
+          <a:lstStyle/>
+          <a:p>
+            <a:endParaRPr lang="en-US"/>
+          </a:p>
+        </p:txBody>
+      </p:sp>
+      <p:sp>
+        <p:nvSpPr>
+          <p:cNvPr id="22" name="Arc 21">
+            <a:extLst>
+              <a:ext uri="{FF2B5EF4-FFF2-40B4-BE49-F238E27FC236}">
+                <a16:creationId xmlns:a16="http://schemas.microsoft.com/office/drawing/2014/main" id="{09192968-3AE7-4470-A61C-97294BB92731}"/>
+              </a:ext>
+              <a:ext uri="{C183D7F6-B498-43B3-948B-1728B52AA6E4}">
+                <adec:decorative xmlns:adec="http://schemas.microsoft.com/office/drawing/2017/decorative" val="1"/>
+              </a:ext>
+            </a:extLst>
+          </p:cNvPr>
+          <p:cNvSpPr>
+            <a:spLocks noGrp="1" noRot="1" noChangeAspect="1" noMove="1" noResize="1" noEditPoints="1" noAdjustHandles="1" noChangeArrowheads="1" noChangeShapeType="1" noTextEdit="1"/>
+          </p:cNvSpPr>
+          <p:nvPr>
+            <p:extLst>
+              <p:ext uri="{386F3935-93C4-4BCD-93E2-E3B085C9AB24}">
+                <p16:designElem xmlns:p16="http://schemas.microsoft.com/office/powerpoint/2015/main" val="1"/>
+              </p:ext>
+            </p:extLst>
+          </p:nvPr>
+        </p:nvSpPr>
+        <p:spPr>
+          <a:xfrm rot="20992895">
+            <a:off x="6086940" y="4145122"/>
+            <a:ext cx="4083433" cy="4083433"/>
+          </a:xfrm>
+          <a:prstGeom prst="arc">
+            <a:avLst/>
+          </a:prstGeom>
+          <a:ln w="127000" cap="rnd">
+            <a:solidFill>
+              <a:schemeClr val="accent4"/>
+            </a:solidFill>
+            <a:prstDash val="dash"/>
+          </a:ln>
+        </p:spPr>
+        <p:style>
+          <a:lnRef idx="1">
+            <a:schemeClr val="accent1"/>
+          </a:lnRef>
+          <a:fillRef idx="0">
+            <a:schemeClr val="accent1"/>
+          </a:fillRef>
+          <a:effectRef idx="0">
+            <a:schemeClr val="accent1"/>
+          </a:effectRef>
+          <a:fontRef idx="minor">
+            <a:schemeClr val="tx1"/>
+          </a:fontRef>
+        </p:style>
+        <p:txBody>
+          <a:bodyPr rtlCol="0" anchor="ctr"/>
+          <a:lstStyle/>
+          <a:p>
+            <a:pPr algn="ctr"/>
+            <a:endParaRPr lang="en-US" dirty="0"/>
+          </a:p>
+        </p:txBody>
+      </p:sp>
+      <p:sp>
+        <p:nvSpPr>
+          <p:cNvPr id="24" name="Freeform: Shape 23">
+            <a:extLst>
+              <a:ext uri="{FF2B5EF4-FFF2-40B4-BE49-F238E27FC236}">
+                <a16:creationId xmlns:a16="http://schemas.microsoft.com/office/drawing/2014/main" id="{3AB72E55-43E4-4356-BFE8-E2102CB0B505}"/>
+              </a:ext>
+              <a:ext uri="{C183D7F6-B498-43B3-948B-1728B52AA6E4}">
+                <adec:decorative xmlns:adec="http://schemas.microsoft.com/office/drawing/2017/decorative" val="1"/>
+              </a:ext>
+            </a:extLst>
+          </p:cNvPr>
+          <p:cNvSpPr>
+            <a:spLocks noGrp="1" noRot="1" noChangeAspect="1" noMove="1" noResize="1" noEditPoints="1" noAdjustHandles="1" noChangeArrowheads="1" noChangeShapeType="1" noTextEdit="1"/>
+          </p:cNvSpPr>
+          <p:nvPr>
+            <p:extLst>
+              <p:ext uri="{386F3935-93C4-4BCD-93E2-E3B085C9AB24}">
+                <p16:designElem xmlns:p16="http://schemas.microsoft.com/office/powerpoint/2015/main" val="1"/>
+              </p:ext>
+            </p:extLst>
+          </p:nvPr>
+        </p:nvSpPr>
+        <p:spPr>
+          <a:xfrm>
+            <a:off x="6821310" y="4962670"/>
+            <a:ext cx="2643352" cy="1895331"/>
+          </a:xfrm>
+          <a:custGeom>
+            <a:avLst/>
+            <a:gdLst>
+              <a:gd name="connsiteX0" fmla="*/ 1321676 w 2643352"/>
+              <a:gd name="connsiteY0" fmla="*/ 0 h 1895331"/>
+              <a:gd name="connsiteX1" fmla="*/ 2643352 w 2643352"/>
+              <a:gd name="connsiteY1" fmla="*/ 1321676 h 1895331"/>
+              <a:gd name="connsiteX2" fmla="*/ 2539488 w 2643352"/>
+              <a:gd name="connsiteY2" fmla="*/ 1836132 h 1895331"/>
+              <a:gd name="connsiteX3" fmla="*/ 2510970 w 2643352"/>
+              <a:gd name="connsiteY3" fmla="*/ 1895331 h 1895331"/>
+              <a:gd name="connsiteX4" fmla="*/ 132382 w 2643352"/>
+              <a:gd name="connsiteY4" fmla="*/ 1895331 h 1895331"/>
+              <a:gd name="connsiteX5" fmla="*/ 103864 w 2643352"/>
+              <a:gd name="connsiteY5" fmla="*/ 1836132 h 1895331"/>
+              <a:gd name="connsiteX6" fmla="*/ 0 w 2643352"/>
+              <a:gd name="connsiteY6" fmla="*/ 1321676 h 1895331"/>
+              <a:gd name="connsiteX7" fmla="*/ 1321676 w 2643352"/>
+              <a:gd name="connsiteY7" fmla="*/ 0 h 1895331"/>
+            </a:gdLst>
+            <a:ahLst/>
+            <a:cxnLst>
+              <a:cxn ang="0">
+                <a:pos x="connsiteX0" y="connsiteY0"/>
+              </a:cxn>
+              <a:cxn ang="0">
+                <a:pos x="connsiteX1" y="connsiteY1"/>
+              </a:cxn>
+              <a:cxn ang="0">
+                <a:pos x="connsiteX2" y="connsiteY2"/>
+              </a:cxn>
+              <a:cxn ang="0">
+                <a:pos x="connsiteX3" y="connsiteY3"/>
+              </a:cxn>
+              <a:cxn ang="0">
+                <a:pos x="connsiteX4" y="connsiteY4"/>
+              </a:cxn>
+              <a:cxn ang="0">
+                <a:pos x="connsiteX5" y="connsiteY5"/>
+              </a:cxn>
+              <a:cxn ang="0">
+                <a:pos x="connsiteX6" y="connsiteY6"/>
+              </a:cxn>
+              <a:cxn ang="0">
+                <a:pos x="connsiteX7" y="connsiteY7"/>
+              </a:cxn>
+            </a:cxnLst>
+            <a:rect l="l" t="t" r="r" b="b"/>
+            <a:pathLst>
+              <a:path w="2643352" h="1895331">
+                <a:moveTo>
+                  <a:pt x="1321676" y="0"/>
+                </a:moveTo>
+                <a:cubicBezTo>
+                  <a:pt x="2051617" y="0"/>
+                  <a:pt x="2643352" y="591735"/>
+                  <a:pt x="2643352" y="1321676"/>
+                </a:cubicBezTo>
+                <a:cubicBezTo>
+                  <a:pt x="2643352" y="1504161"/>
+                  <a:pt x="2606369" y="1678009"/>
+                  <a:pt x="2539488" y="1836132"/>
+                </a:cubicBezTo>
+                <a:lnTo>
+                  <a:pt x="2510970" y="1895331"/>
+                </a:lnTo>
+                <a:lnTo>
+                  <a:pt x="132382" y="1895331"/>
+                </a:lnTo>
+                <a:lnTo>
+                  <a:pt x="103864" y="1836132"/>
+                </a:lnTo>
+                <a:cubicBezTo>
+                  <a:pt x="36984" y="1678009"/>
+                  <a:pt x="0" y="1504161"/>
+                  <a:pt x="0" y="1321676"/>
+                </a:cubicBezTo>
+                <a:cubicBezTo>
+                  <a:pt x="0" y="591735"/>
+                  <a:pt x="591735" y="0"/>
+                  <a:pt x="1321676" y="0"/>
+                </a:cubicBezTo>
+                <a:close/>
+              </a:path>
+            </a:pathLst>
+          </a:custGeom>
+          <a:solidFill>
+            <a:schemeClr val="accent2"/>
+          </a:solidFill>
+          <a:ln>
+            <a:noFill/>
+          </a:ln>
+        </p:spPr>
+        <p:style>
+          <a:lnRef idx="2">
+            <a:schemeClr val="accent1">
+              <a:shade val="50000"/>
+            </a:schemeClr>
+          </a:lnRef>
+          <a:fillRef idx="1">
+            <a:schemeClr val="accent1"/>
+          </a:fillRef>
+          <a:effectRef idx="0">
+            <a:schemeClr val="accent1"/>
+          </a:effectRef>
+          <a:fontRef idx="minor">
+            <a:schemeClr val="lt1"/>
+          </a:fontRef>
+        </p:style>
+        <p:txBody>
+          <a:bodyPr rtlCol="0" anchor="ctr"/>
+          <a:lstStyle/>
+          <a:p>
+            <a:pPr algn="ctr"/>
+            <a:endParaRPr lang="en-US"/>
+          </a:p>
+        </p:txBody>
+      </p:sp>
+    </p:spTree>
+    <p:extLst>
+      <p:ext uri="{BB962C8B-B14F-4D97-AF65-F5344CB8AC3E}">
         <p14:creationId xmlns:p14="http://schemas.microsoft.com/office/powerpoint/2010/main" val="1625762830"/>
+      </p:ext>
+    </p:extLst>
+  </p:cSld>
+  <p:clrMapOvr>
+    <a:masterClrMapping/>
+  </p:clrMapOvr>
+</p:sld>
+</file>
+
+<file path=ppt/slides/slide8.xml><?xml version="1.0" encoding="utf-8"?>
+<p:sld xmlns:a="http://schemas.openxmlformats.org/drawingml/2006/main" xmlns:r="http://schemas.openxmlformats.org/officeDocument/2006/relationships" xmlns:p="http://schemas.openxmlformats.org/presentationml/2006/main">
+  <p:cSld>
+    <p:bg>
+      <p:bgPr>
+        <a:solidFill>
+          <a:schemeClr val="bg1"/>
+        </a:solidFill>
+        <a:effectLst/>
+      </p:bgPr>
+    </p:bg>
+    <p:spTree>
+      <p:nvGrpSpPr>
+        <p:cNvPr id="1" name=""/>
+        <p:cNvGrpSpPr/>
+        <p:nvPr/>
+      </p:nvGrpSpPr>
+      <p:grpSpPr>
+        <a:xfrm>
+          <a:off x="0" y="0"/>
+          <a:ext cx="0" cy="0"/>
+          <a:chOff x="0" y="0"/>
+          <a:chExt cx="0" cy="0"/>
+        </a:xfrm>
+      </p:grpSpPr>
+      <p:sp useBgFill="1">
+        <p:nvSpPr>
+          <p:cNvPr id="8" name="Rectangle 7">
+            <a:extLst>
+              <a:ext uri="{FF2B5EF4-FFF2-40B4-BE49-F238E27FC236}">
+                <a16:creationId xmlns:a16="http://schemas.microsoft.com/office/drawing/2014/main" id="{F837543A-6020-4505-A233-C9DB4BF74011}"/>
+              </a:ext>
+              <a:ext uri="{C183D7F6-B498-43B3-948B-1728B52AA6E4}">
+                <adec:decorative xmlns:adec="http://schemas.microsoft.com/office/drawing/2017/decorative" val="1"/>
+              </a:ext>
+            </a:extLst>
+          </p:cNvPr>
+          <p:cNvSpPr>
+            <a:spLocks noGrp="1" noRot="1" noChangeAspect="1" noMove="1" noResize="1" noEditPoints="1" noAdjustHandles="1" noChangeArrowheads="1" noChangeShapeType="1" noTextEdit="1"/>
+          </p:cNvSpPr>
+          <p:nvPr>
+            <p:extLst>
+              <p:ext uri="{386F3935-93C4-4BCD-93E2-E3B085C9AB24}">
+                <p16:designElem xmlns:p16="http://schemas.microsoft.com/office/powerpoint/2015/main" val="1"/>
+              </p:ext>
+            </p:extLst>
+          </p:nvPr>
+        </p:nvSpPr>
+        <p:spPr>
+          <a:xfrm>
+            <a:off x="3048" y="0"/>
+            <a:ext cx="12188952" cy="6858000"/>
+          </a:xfrm>
+          <a:prstGeom prst="rect">
+            <a:avLst/>
+          </a:prstGeom>
+          <a:ln>
+            <a:noFill/>
+          </a:ln>
+        </p:spPr>
+        <p:style>
+          <a:lnRef idx="2">
+            <a:schemeClr val="accent1">
+              <a:shade val="50000"/>
+            </a:schemeClr>
+          </a:lnRef>
+          <a:fillRef idx="1">
+            <a:schemeClr val="accent1"/>
+          </a:fillRef>
+          <a:effectRef idx="0">
+            <a:schemeClr val="accent1"/>
+          </a:effectRef>
+          <a:fontRef idx="minor">
+            <a:schemeClr val="lt1"/>
+          </a:fontRef>
+        </p:style>
+        <p:txBody>
+          <a:bodyPr rtlCol="0" anchor="ctr"/>
+          <a:lstStyle/>
+          <a:p>
+            <a:pPr algn="ctr"/>
+            <a:endParaRPr lang="en-US"/>
+          </a:p>
+        </p:txBody>
+      </p:sp>
+      <p:sp>
+        <p:nvSpPr>
+          <p:cNvPr id="10" name="Freeform: Shape 9">
+            <a:extLst>
+              <a:ext uri="{FF2B5EF4-FFF2-40B4-BE49-F238E27FC236}">
+                <a16:creationId xmlns:a16="http://schemas.microsoft.com/office/drawing/2014/main" id="{35B16301-FB18-48BA-A6DD-C37CAF6F9A18}"/>
+              </a:ext>
+              <a:ext uri="{C183D7F6-B498-43B3-948B-1728B52AA6E4}">
+                <adec:decorative xmlns:adec="http://schemas.microsoft.com/office/drawing/2017/decorative" val="1"/>
+              </a:ext>
+            </a:extLst>
+          </p:cNvPr>
+          <p:cNvSpPr>
+            <a:spLocks noGrp="1" noRot="1" noChangeAspect="1" noMove="1" noResize="1" noEditPoints="1" noAdjustHandles="1" noChangeArrowheads="1" noChangeShapeType="1" noTextEdit="1"/>
+          </p:cNvSpPr>
+          <p:nvPr>
+            <p:extLst>
+              <p:ext uri="{386F3935-93C4-4BCD-93E2-E3B085C9AB24}">
+                <p16:designElem xmlns:p16="http://schemas.microsoft.com/office/powerpoint/2015/main" val="1"/>
+              </p:ext>
+            </p:extLst>
+          </p:nvPr>
+        </p:nvSpPr>
+        <p:spPr>
+          <a:xfrm>
+            <a:off x="10208695" y="1"/>
+            <a:ext cx="1135066" cy="477997"/>
+          </a:xfrm>
+          <a:custGeom>
+            <a:avLst/>
+            <a:gdLst>
+              <a:gd name="connsiteX0" fmla="*/ 0 w 1135066"/>
+              <a:gd name="connsiteY0" fmla="*/ 0 h 477997"/>
+              <a:gd name="connsiteX1" fmla="*/ 1135066 w 1135066"/>
+              <a:gd name="connsiteY1" fmla="*/ 0 h 477997"/>
+              <a:gd name="connsiteX2" fmla="*/ 1133370 w 1135066"/>
+              <a:gd name="connsiteY2" fmla="*/ 16827 h 477997"/>
+              <a:gd name="connsiteX3" fmla="*/ 567533 w 1135066"/>
+              <a:gd name="connsiteY3" fmla="*/ 477997 h 477997"/>
+              <a:gd name="connsiteX4" fmla="*/ 1696 w 1135066"/>
+              <a:gd name="connsiteY4" fmla="*/ 16827 h 477997"/>
+            </a:gdLst>
+            <a:ahLst/>
+            <a:cxnLst>
+              <a:cxn ang="0">
+                <a:pos x="connsiteX0" y="connsiteY0"/>
+              </a:cxn>
+              <a:cxn ang="0">
+                <a:pos x="connsiteX1" y="connsiteY1"/>
+              </a:cxn>
+              <a:cxn ang="0">
+                <a:pos x="connsiteX2" y="connsiteY2"/>
+              </a:cxn>
+              <a:cxn ang="0">
+                <a:pos x="connsiteX3" y="connsiteY3"/>
+              </a:cxn>
+              <a:cxn ang="0">
+                <a:pos x="connsiteX4" y="connsiteY4"/>
+              </a:cxn>
+            </a:cxnLst>
+            <a:rect l="l" t="t" r="r" b="b"/>
+            <a:pathLst>
+              <a:path w="1135066" h="477997">
+                <a:moveTo>
+                  <a:pt x="0" y="0"/>
+                </a:moveTo>
+                <a:lnTo>
+                  <a:pt x="1135066" y="0"/>
+                </a:lnTo>
+                <a:lnTo>
+                  <a:pt x="1133370" y="16827"/>
+                </a:lnTo>
+                <a:cubicBezTo>
+                  <a:pt x="1079514" y="280016"/>
+                  <a:pt x="846644" y="477997"/>
+                  <a:pt x="567533" y="477997"/>
+                </a:cubicBezTo>
+                <a:cubicBezTo>
+                  <a:pt x="288422" y="477997"/>
+                  <a:pt x="55552" y="280016"/>
+                  <a:pt x="1696" y="16827"/>
+                </a:cubicBezTo>
+                <a:close/>
+              </a:path>
+            </a:pathLst>
+          </a:custGeom>
+          <a:solidFill>
+            <a:schemeClr val="accent5"/>
+          </a:solidFill>
+          <a:ln>
+            <a:noFill/>
+          </a:ln>
+        </p:spPr>
+        <p:style>
+          <a:lnRef idx="2">
+            <a:schemeClr val="accent1">
+              <a:shade val="50000"/>
+            </a:schemeClr>
+          </a:lnRef>
+          <a:fillRef idx="1">
+            <a:schemeClr val="accent1"/>
+          </a:fillRef>
+          <a:effectRef idx="0">
+            <a:schemeClr val="accent1"/>
+          </a:effectRef>
+          <a:fontRef idx="minor">
+            <a:schemeClr val="lt1"/>
+          </a:fontRef>
+        </p:style>
+        <p:txBody>
+          <a:bodyPr wrap="square" rtlCol="0" anchor="ctr">
+            <a:noAutofit/>
+          </a:bodyPr>
+          <a:lstStyle/>
+          <a:p>
+            <a:pPr algn="ctr"/>
+            <a:endParaRPr lang="en-US"/>
+          </a:p>
+        </p:txBody>
+      </p:sp>
+      <p:sp>
+        <p:nvSpPr>
+          <p:cNvPr id="3" name="Content Placeholder 2">
+            <a:extLst>
+              <a:ext uri="{FF2B5EF4-FFF2-40B4-BE49-F238E27FC236}">
+                <a16:creationId xmlns:a16="http://schemas.microsoft.com/office/drawing/2014/main" id="{D8C940AB-74C8-01BA-870C-D83C40A62BF4}"/>
+              </a:ext>
+            </a:extLst>
+          </p:cNvPr>
+          <p:cNvSpPr>
+            <a:spLocks noGrp="1"/>
+          </p:cNvSpPr>
+          <p:nvPr>
+            <p:ph idx="1"/>
+          </p:nvPr>
+        </p:nvSpPr>
+        <p:spPr>
+          <a:xfrm>
+            <a:off x="838200" y="1825625"/>
+            <a:ext cx="5558489" cy="4351338"/>
+          </a:xfrm>
+        </p:spPr>
+        <p:txBody>
+          <a:bodyPr>
+            <a:normAutofit/>
+          </a:bodyPr>
+          <a:lstStyle/>
+          <a:p>
+            <a:pPr marL="0" indent="0">
+              <a:buNone/>
+            </a:pPr>
+            <a:r>
+              <a:rPr lang="en-US" sz="4400" b="1" dirty="0">
+                <a:solidFill>
+                  <a:srgbClr val="FA4616"/>
+                </a:solidFill>
+                <a:highlight>
+                  <a:srgbClr val="FFFFFF"/>
+                </a:highlight>
+                <a:latin typeface="HCo Gotham SSm"/>
+                <a:ea typeface="+mj-ea"/>
+                <a:cs typeface="+mj-cs"/>
+              </a:rPr>
+              <a:t>Thank You</a:t>
+            </a:r>
+          </a:p>
+        </p:txBody>
+      </p:sp>
+      <p:sp>
+        <p:nvSpPr>
+          <p:cNvPr id="12" name="Oval 11">
+            <a:extLst>
+              <a:ext uri="{FF2B5EF4-FFF2-40B4-BE49-F238E27FC236}">
+                <a16:creationId xmlns:a16="http://schemas.microsoft.com/office/drawing/2014/main" id="{C3C0D90E-074A-4F52-9B11-B52BEF4BCBE5}"/>
+              </a:ext>
+              <a:ext uri="{C183D7F6-B498-43B3-948B-1728B52AA6E4}">
+                <adec:decorative xmlns:adec="http://schemas.microsoft.com/office/drawing/2017/decorative" val="1"/>
+              </a:ext>
+            </a:extLst>
+          </p:cNvPr>
+          <p:cNvSpPr>
+            <a:spLocks noGrp="1" noRot="1" noChangeAspect="1" noMove="1" noResize="1" noEditPoints="1" noAdjustHandles="1" noChangeArrowheads="1" noChangeShapeType="1" noTextEdit="1"/>
+          </p:cNvSpPr>
+          <p:nvPr>
+            <p:extLst>
+              <p:ext uri="{386F3935-93C4-4BCD-93E2-E3B085C9AB24}">
+                <p16:designElem xmlns:p16="http://schemas.microsoft.com/office/powerpoint/2015/main" val="1"/>
+              </p:ext>
+            </p:extLst>
+          </p:nvPr>
+        </p:nvSpPr>
+        <p:spPr>
+          <a:xfrm>
+            <a:off x="6821310" y="2624479"/>
+            <a:ext cx="812427" cy="812427"/>
+          </a:xfrm>
+          <a:prstGeom prst="ellipse">
+            <a:avLst/>
+          </a:prstGeom>
+          <a:noFill/>
+          <a:ln w="127000">
+            <a:solidFill>
+              <a:schemeClr val="accent5"/>
+            </a:solidFill>
+          </a:ln>
+        </p:spPr>
+        <p:style>
+          <a:lnRef idx="2">
+            <a:schemeClr val="accent1">
+              <a:shade val="50000"/>
+            </a:schemeClr>
+          </a:lnRef>
+          <a:fillRef idx="1">
+            <a:schemeClr val="accent1"/>
+          </a:fillRef>
+          <a:effectRef idx="0">
+            <a:schemeClr val="accent1"/>
+          </a:effectRef>
+          <a:fontRef idx="minor">
+            <a:schemeClr val="lt1"/>
+          </a:fontRef>
+        </p:style>
+        <p:txBody>
+          <a:bodyPr rtlCol="0" anchor="ctr"/>
+          <a:lstStyle/>
+          <a:p>
+            <a:pPr algn="ctr"/>
+            <a:endParaRPr lang="en-US" dirty="0"/>
+          </a:p>
+        </p:txBody>
+      </p:sp>
+      <p:sp>
+        <p:nvSpPr>
+          <p:cNvPr id="14" name="Block Arc 13">
+            <a:extLst>
+              <a:ext uri="{FF2B5EF4-FFF2-40B4-BE49-F238E27FC236}">
+                <a16:creationId xmlns:a16="http://schemas.microsoft.com/office/drawing/2014/main" id="{CABBD4C1-E6F8-46F6-8152-A8A97490BF4D}"/>
+              </a:ext>
+              <a:ext uri="{C183D7F6-B498-43B3-948B-1728B52AA6E4}">
+                <adec:decorative xmlns:adec="http://schemas.microsoft.com/office/drawing/2017/decorative" val="1"/>
+              </a:ext>
+            </a:extLst>
+          </p:cNvPr>
+          <p:cNvSpPr>
+            <a:spLocks noGrp="1" noRot="1" noChangeAspect="1" noMove="1" noResize="1" noEditPoints="1" noAdjustHandles="1" noChangeArrowheads="1" noChangeShapeType="1" noTextEdit="1"/>
+          </p:cNvSpPr>
+          <p:nvPr>
+            <p:extLst>
+              <p:ext uri="{386F3935-93C4-4BCD-93E2-E3B085C9AB24}">
+                <p16:designElem xmlns:p16="http://schemas.microsoft.com/office/powerpoint/2015/main" val="1"/>
+              </p:ext>
+            </p:extLst>
+          </p:nvPr>
+        </p:nvSpPr>
+        <p:spPr>
+          <a:xfrm rot="16200000">
+            <a:off x="8912417" y="1218531"/>
+            <a:ext cx="2387600" cy="2387600"/>
+          </a:xfrm>
+          <a:prstGeom prst="blockArc">
+            <a:avLst/>
+          </a:prstGeom>
+          <a:solidFill>
+            <a:schemeClr val="accent2"/>
+          </a:solidFill>
+          <a:ln>
+            <a:noFill/>
+          </a:ln>
+        </p:spPr>
+        <p:style>
+          <a:lnRef idx="2">
+            <a:schemeClr val="accent1">
+              <a:shade val="50000"/>
+            </a:schemeClr>
+          </a:lnRef>
+          <a:fillRef idx="1">
+            <a:schemeClr val="accent1"/>
+          </a:fillRef>
+          <a:effectRef idx="0">
+            <a:schemeClr val="accent1"/>
+          </a:effectRef>
+          <a:fontRef idx="minor">
+            <a:schemeClr val="lt1"/>
+          </a:fontRef>
+        </p:style>
+        <p:txBody>
+          <a:bodyPr rtlCol="0" anchor="ctr"/>
+          <a:lstStyle/>
+          <a:p>
+            <a:pPr algn="ctr"/>
+            <a:endParaRPr lang="en-US">
+              <a:solidFill>
+                <a:schemeClr val="tx1"/>
+              </a:solidFill>
+            </a:endParaRPr>
+          </a:p>
+        </p:txBody>
+      </p:sp>
+      <p:sp>
+        <p:nvSpPr>
+          <p:cNvPr id="16" name="Freeform: Shape 15">
+            <a:extLst>
+              <a:ext uri="{FF2B5EF4-FFF2-40B4-BE49-F238E27FC236}">
+                <a16:creationId xmlns:a16="http://schemas.microsoft.com/office/drawing/2014/main" id="{83BA5EF5-1FE9-4BF9-83BB-269BCDDF6156}"/>
+              </a:ext>
+              <a:ext uri="{C183D7F6-B498-43B3-948B-1728B52AA6E4}">
+                <adec:decorative xmlns:adec="http://schemas.microsoft.com/office/drawing/2017/decorative" val="1"/>
+              </a:ext>
+            </a:extLst>
+          </p:cNvPr>
+          <p:cNvSpPr>
+            <a:spLocks noGrp="1" noRot="1" noChangeAspect="1" noMove="1" noResize="1" noEditPoints="1" noAdjustHandles="1" noChangeArrowheads="1" noChangeShapeType="1" noTextEdit="1"/>
+          </p:cNvSpPr>
+          <p:nvPr>
+            <p:extLst>
+              <p:ext uri="{386F3935-93C4-4BCD-93E2-E3B085C9AB24}">
+                <p16:designElem xmlns:p16="http://schemas.microsoft.com/office/powerpoint/2015/main" val="1"/>
+              </p:ext>
+            </p:extLst>
+          </p:nvPr>
+        </p:nvSpPr>
+        <p:spPr>
+          <a:xfrm>
+            <a:off x="6821310" y="0"/>
+            <a:ext cx="2315251" cy="1550992"/>
+          </a:xfrm>
+          <a:custGeom>
+            <a:avLst/>
+            <a:gdLst>
+              <a:gd name="connsiteX0" fmla="*/ 0 w 2315251"/>
+              <a:gd name="connsiteY0" fmla="*/ 0 h 1550992"/>
+              <a:gd name="connsiteX1" fmla="*/ 138700 w 2315251"/>
+              <a:gd name="connsiteY1" fmla="*/ 0 h 1550992"/>
+              <a:gd name="connsiteX2" fmla="*/ 138700 w 2315251"/>
+              <a:gd name="connsiteY2" fmla="*/ 1361400 h 1550992"/>
+              <a:gd name="connsiteX3" fmla="*/ 2107387 w 2315251"/>
+              <a:gd name="connsiteY3" fmla="*/ 222673 h 1550992"/>
+              <a:gd name="connsiteX4" fmla="*/ 1722420 w 2315251"/>
+              <a:gd name="connsiteY4" fmla="*/ 0 h 1550992"/>
+              <a:gd name="connsiteX5" fmla="*/ 1999436 w 2315251"/>
+              <a:gd name="connsiteY5" fmla="*/ 0 h 1550992"/>
+              <a:gd name="connsiteX6" fmla="*/ 2280549 w 2315251"/>
+              <a:gd name="connsiteY6" fmla="*/ 162605 h 1550992"/>
+              <a:gd name="connsiteX7" fmla="*/ 2305953 w 2315251"/>
+              <a:gd name="connsiteY7" fmla="*/ 257336 h 1550992"/>
+              <a:gd name="connsiteX8" fmla="*/ 2280549 w 2315251"/>
+              <a:gd name="connsiteY8" fmla="*/ 282740 h 1550992"/>
+              <a:gd name="connsiteX9" fmla="*/ 104026 w 2315251"/>
+              <a:gd name="connsiteY9" fmla="*/ 1541710 h 1550992"/>
+              <a:gd name="connsiteX10" fmla="*/ 69351 w 2315251"/>
+              <a:gd name="connsiteY10" fmla="*/ 1550992 h 1550992"/>
+              <a:gd name="connsiteX11" fmla="*/ 0 w 2315251"/>
+              <a:gd name="connsiteY11" fmla="*/ 1481643 h 1550992"/>
+            </a:gdLst>
+            <a:ahLst/>
+            <a:cxnLst>
+              <a:cxn ang="0">
+                <a:pos x="connsiteX0" y="connsiteY0"/>
+              </a:cxn>
+              <a:cxn ang="0">
+                <a:pos x="connsiteX1" y="connsiteY1"/>
+              </a:cxn>
+              <a:cxn ang="0">
+                <a:pos x="connsiteX2" y="connsiteY2"/>
+              </a:cxn>
+              <a:cxn ang="0">
+                <a:pos x="connsiteX3" y="connsiteY3"/>
+              </a:cxn>
+              <a:cxn ang="0">
+                <a:pos x="connsiteX4" y="connsiteY4"/>
+              </a:cxn>
+              <a:cxn ang="0">
+                <a:pos x="connsiteX5" y="connsiteY5"/>
+              </a:cxn>
+              <a:cxn ang="0">
+                <a:pos x="connsiteX6" y="connsiteY6"/>
+              </a:cxn>
+              <a:cxn ang="0">
+                <a:pos x="connsiteX7" y="connsiteY7"/>
+              </a:cxn>
+              <a:cxn ang="0">
+                <a:pos x="connsiteX8" y="connsiteY8"/>
+              </a:cxn>
+              <a:cxn ang="0">
+                <a:pos x="connsiteX9" y="connsiteY9"/>
+              </a:cxn>
+              <a:cxn ang="0">
+                <a:pos x="connsiteX10" y="connsiteY10"/>
+              </a:cxn>
+              <a:cxn ang="0">
+                <a:pos x="connsiteX11" y="connsiteY11"/>
+              </a:cxn>
+            </a:cxnLst>
+            <a:rect l="l" t="t" r="r" b="b"/>
+            <a:pathLst>
+              <a:path w="2315251" h="1550992">
+                <a:moveTo>
+                  <a:pt x="0" y="0"/>
+                </a:moveTo>
+                <a:lnTo>
+                  <a:pt x="138700" y="0"/>
+                </a:lnTo>
+                <a:lnTo>
+                  <a:pt x="138700" y="1361400"/>
+                </a:lnTo>
+                <a:lnTo>
+                  <a:pt x="2107387" y="222673"/>
+                </a:lnTo>
+                <a:lnTo>
+                  <a:pt x="1722420" y="0"/>
+                </a:lnTo>
+                <a:lnTo>
+                  <a:pt x="1999436" y="0"/>
+                </a:lnTo>
+                <a:lnTo>
+                  <a:pt x="2280549" y="162605"/>
+                </a:lnTo>
+                <a:cubicBezTo>
+                  <a:pt x="2313720" y="181745"/>
+                  <a:pt x="2325104" y="224155"/>
+                  <a:pt x="2305953" y="257336"/>
+                </a:cubicBezTo>
+                <a:cubicBezTo>
+                  <a:pt x="2299872" y="267889"/>
+                  <a:pt x="2291101" y="276648"/>
+                  <a:pt x="2280549" y="282740"/>
+                </a:cubicBezTo>
+                <a:lnTo>
+                  <a:pt x="104026" y="1541710"/>
+                </a:lnTo>
+                <a:cubicBezTo>
+                  <a:pt x="93484" y="1547802"/>
+                  <a:pt x="81523" y="1551003"/>
+                  <a:pt x="69351" y="1550992"/>
+                </a:cubicBezTo>
+                <a:cubicBezTo>
+                  <a:pt x="31049" y="1550992"/>
+                  <a:pt x="0" y="1519944"/>
+                  <a:pt x="0" y="1481643"/>
+                </a:cubicBezTo>
+                <a:close/>
+              </a:path>
+            </a:pathLst>
+          </a:custGeom>
+          <a:solidFill>
+            <a:schemeClr val="accent6"/>
+          </a:solidFill>
+          <a:ln w="9525" cap="flat">
+            <a:noFill/>
+            <a:prstDash val="solid"/>
+            <a:miter/>
+          </a:ln>
+        </p:spPr>
+        <p:txBody>
+          <a:bodyPr rtlCol="0" anchor="ctr"/>
+          <a:lstStyle/>
+          <a:p>
+            <a:endParaRPr lang="en-US" dirty="0"/>
+          </a:p>
+        </p:txBody>
+      </p:sp>
+      <p:cxnSp>
+        <p:nvCxnSpPr>
+          <p:cNvPr id="18" name="Straight Connector 17">
+            <a:extLst>
+              <a:ext uri="{FF2B5EF4-FFF2-40B4-BE49-F238E27FC236}">
+                <a16:creationId xmlns:a16="http://schemas.microsoft.com/office/drawing/2014/main" id="{4B3BCACB-5880-460B-9606-8C433A9AF99D}"/>
+              </a:ext>
+              <a:ext uri="{C183D7F6-B498-43B3-948B-1728B52AA6E4}">
+                <adec:decorative xmlns:adec="http://schemas.microsoft.com/office/drawing/2017/decorative" val="1"/>
+              </a:ext>
+            </a:extLst>
+          </p:cNvPr>
+          <p:cNvCxnSpPr>
+            <a:cxnSpLocks noGrp="1" noRot="1" noChangeAspect="1" noMove="1" noResize="1" noEditPoints="1" noAdjustHandles="1" noChangeArrowheads="1" noChangeShapeType="1"/>
+          </p:cNvCxnSpPr>
+          <p:nvPr>
+            <p:extLst>
+              <p:ext uri="{386F3935-93C4-4BCD-93E2-E3B085C9AB24}">
+                <p16:designElem xmlns:p16="http://schemas.microsoft.com/office/powerpoint/2015/main" val="1"/>
+              </p:ext>
+            </p:extLst>
+          </p:nvPr>
+        </p:nvCxnSpPr>
+        <p:spPr>
+          <a:xfrm>
+            <a:off x="11724638" y="1331572"/>
+            <a:ext cx="0" cy="1597708"/>
+          </a:xfrm>
+          <a:prstGeom prst="line">
+            <a:avLst/>
+          </a:prstGeom>
+          <a:ln w="127000" cap="rnd">
+            <a:solidFill>
+              <a:schemeClr val="accent4"/>
+            </a:solidFill>
+            <a:prstDash val="dash"/>
+          </a:ln>
+        </p:spPr>
+        <p:style>
+          <a:lnRef idx="1">
+            <a:schemeClr val="accent1"/>
+          </a:lnRef>
+          <a:fillRef idx="0">
+            <a:schemeClr val="accent1"/>
+          </a:fillRef>
+          <a:effectRef idx="0">
+            <a:schemeClr val="accent1"/>
+          </a:effectRef>
+          <a:fontRef idx="minor">
+            <a:schemeClr val="tx1"/>
+          </a:fontRef>
+        </p:style>
+      </p:cxnSp>
+      <p:sp>
+        <p:nvSpPr>
+          <p:cNvPr id="20" name="Freeform: Shape 19">
+            <a:extLst>
+              <a:ext uri="{FF2B5EF4-FFF2-40B4-BE49-F238E27FC236}">
+                <a16:creationId xmlns:a16="http://schemas.microsoft.com/office/drawing/2014/main" id="{88853921-7BC9-4BDE-ACAB-133C683C82D6}"/>
+              </a:ext>
+              <a:ext uri="{C183D7F6-B498-43B3-948B-1728B52AA6E4}">
+                <adec:decorative xmlns:adec="http://schemas.microsoft.com/office/drawing/2017/decorative" val="1"/>
+              </a:ext>
+            </a:extLst>
+          </p:cNvPr>
+          <p:cNvSpPr>
+            <a:spLocks noGrp="1" noRot="1" noChangeAspect="1" noMove="1" noResize="1" noEditPoints="1" noAdjustHandles="1" noChangeArrowheads="1" noChangeShapeType="1" noTextEdit="1"/>
+          </p:cNvSpPr>
+          <p:nvPr>
+            <p:extLst>
+              <p:ext uri="{386F3935-93C4-4BCD-93E2-E3B085C9AB24}">
+                <p16:designElem xmlns:p16="http://schemas.microsoft.com/office/powerpoint/2015/main" val="1"/>
+              </p:ext>
+            </p:extLst>
+          </p:nvPr>
+        </p:nvSpPr>
+        <p:spPr>
+          <a:xfrm>
+            <a:off x="11005550" y="4112081"/>
+            <a:ext cx="1186451" cy="1771650"/>
+          </a:xfrm>
+          <a:custGeom>
+            <a:avLst/>
+            <a:gdLst>
+              <a:gd name="connsiteX0" fmla="*/ 61913 w 1186451"/>
+              <a:gd name="connsiteY0" fmla="*/ 0 h 1771650"/>
+              <a:gd name="connsiteX1" fmla="*/ 1186451 w 1186451"/>
+              <a:gd name="connsiteY1" fmla="*/ 0 h 1771650"/>
+              <a:gd name="connsiteX2" fmla="*/ 1186451 w 1186451"/>
+              <a:gd name="connsiteY2" fmla="*/ 123825 h 1771650"/>
+              <a:gd name="connsiteX3" fmla="*/ 123825 w 1186451"/>
+              <a:gd name="connsiteY3" fmla="*/ 123825 h 1771650"/>
+              <a:gd name="connsiteX4" fmla="*/ 123825 w 1186451"/>
+              <a:gd name="connsiteY4" fmla="*/ 1647825 h 1771650"/>
+              <a:gd name="connsiteX5" fmla="*/ 1186451 w 1186451"/>
+              <a:gd name="connsiteY5" fmla="*/ 1647825 h 1771650"/>
+              <a:gd name="connsiteX6" fmla="*/ 1186451 w 1186451"/>
+              <a:gd name="connsiteY6" fmla="*/ 1771650 h 1771650"/>
+              <a:gd name="connsiteX7" fmla="*/ 61913 w 1186451"/>
+              <a:gd name="connsiteY7" fmla="*/ 1771650 h 1771650"/>
+              <a:gd name="connsiteX8" fmla="*/ 0 w 1186451"/>
+              <a:gd name="connsiteY8" fmla="*/ 1709738 h 1771650"/>
+              <a:gd name="connsiteX9" fmla="*/ 0 w 1186451"/>
+              <a:gd name="connsiteY9" fmla="*/ 61913 h 1771650"/>
+              <a:gd name="connsiteX10" fmla="*/ 61913 w 1186451"/>
+              <a:gd name="connsiteY10" fmla="*/ 0 h 1771650"/>
+            </a:gdLst>
+            <a:ahLst/>
+            <a:cxnLst>
+              <a:cxn ang="0">
+                <a:pos x="connsiteX0" y="connsiteY0"/>
+              </a:cxn>
+              <a:cxn ang="0">
+                <a:pos x="connsiteX1" y="connsiteY1"/>
+              </a:cxn>
+              <a:cxn ang="0">
+                <a:pos x="connsiteX2" y="connsiteY2"/>
+              </a:cxn>
+              <a:cxn ang="0">
+                <a:pos x="connsiteX3" y="connsiteY3"/>
+              </a:cxn>
+              <a:cxn ang="0">
+                <a:pos x="connsiteX4" y="connsiteY4"/>
+              </a:cxn>
+              <a:cxn ang="0">
+                <a:pos x="connsiteX5" y="connsiteY5"/>
+              </a:cxn>
+              <a:cxn ang="0">
+                <a:pos x="connsiteX6" y="connsiteY6"/>
+              </a:cxn>
+              <a:cxn ang="0">
+                <a:pos x="connsiteX7" y="connsiteY7"/>
+              </a:cxn>
+              <a:cxn ang="0">
+                <a:pos x="connsiteX8" y="connsiteY8"/>
+              </a:cxn>
+              <a:cxn ang="0">
+                <a:pos x="connsiteX9" y="connsiteY9"/>
+              </a:cxn>
+              <a:cxn ang="0">
+                <a:pos x="connsiteX10" y="connsiteY10"/>
+              </a:cxn>
+            </a:cxnLst>
+            <a:rect l="l" t="t" r="r" b="b"/>
+            <a:pathLst>
+              <a:path w="1186451" h="1771650">
+                <a:moveTo>
+                  <a:pt x="61913" y="0"/>
+                </a:moveTo>
+                <a:lnTo>
+                  <a:pt x="1186451" y="0"/>
+                </a:lnTo>
+                <a:lnTo>
+                  <a:pt x="1186451" y="123825"/>
+                </a:lnTo>
+                <a:lnTo>
+                  <a:pt x="123825" y="123825"/>
+                </a:lnTo>
+                <a:lnTo>
+                  <a:pt x="123825" y="1647825"/>
+                </a:lnTo>
+                <a:lnTo>
+                  <a:pt x="1186451" y="1647825"/>
+                </a:lnTo>
+                <a:lnTo>
+                  <a:pt x="1186451" y="1771650"/>
+                </a:lnTo>
+                <a:lnTo>
+                  <a:pt x="61913" y="1771650"/>
+                </a:lnTo>
+                <a:cubicBezTo>
+                  <a:pt x="27719" y="1771650"/>
+                  <a:pt x="0" y="1743932"/>
+                  <a:pt x="0" y="1709738"/>
+                </a:cubicBezTo>
+                <a:lnTo>
+                  <a:pt x="0" y="61913"/>
+                </a:lnTo>
+                <a:cubicBezTo>
+                  <a:pt x="0" y="27719"/>
+                  <a:pt x="27719" y="0"/>
+                  <a:pt x="61913" y="0"/>
+                </a:cubicBezTo>
+                <a:close/>
+              </a:path>
+            </a:pathLst>
+          </a:custGeom>
+          <a:solidFill>
+            <a:schemeClr val="accent6"/>
+          </a:solidFill>
+          <a:ln w="9525" cap="flat">
+            <a:noFill/>
+            <a:prstDash val="solid"/>
+            <a:miter/>
+          </a:ln>
+        </p:spPr>
+        <p:txBody>
+          <a:bodyPr rtlCol="0" anchor="ctr"/>
+          <a:lstStyle/>
+          <a:p>
+            <a:endParaRPr lang="en-US"/>
+          </a:p>
+        </p:txBody>
+      </p:sp>
+      <p:sp>
+        <p:nvSpPr>
+          <p:cNvPr id="22" name="Arc 21">
+            <a:extLst>
+              <a:ext uri="{FF2B5EF4-FFF2-40B4-BE49-F238E27FC236}">
+                <a16:creationId xmlns:a16="http://schemas.microsoft.com/office/drawing/2014/main" id="{09192968-3AE7-4470-A61C-97294BB92731}"/>
+              </a:ext>
+              <a:ext uri="{C183D7F6-B498-43B3-948B-1728B52AA6E4}">
+                <adec:decorative xmlns:adec="http://schemas.microsoft.com/office/drawing/2017/decorative" val="1"/>
+              </a:ext>
+            </a:extLst>
+          </p:cNvPr>
+          <p:cNvSpPr>
+            <a:spLocks noGrp="1" noRot="1" noChangeAspect="1" noMove="1" noResize="1" noEditPoints="1" noAdjustHandles="1" noChangeArrowheads="1" noChangeShapeType="1" noTextEdit="1"/>
+          </p:cNvSpPr>
+          <p:nvPr>
+            <p:extLst>
+              <p:ext uri="{386F3935-93C4-4BCD-93E2-E3B085C9AB24}">
+                <p16:designElem xmlns:p16="http://schemas.microsoft.com/office/powerpoint/2015/main" val="1"/>
+              </p:ext>
+            </p:extLst>
+          </p:nvPr>
+        </p:nvSpPr>
+        <p:spPr>
+          <a:xfrm rot="20992895">
+            <a:off x="6086940" y="4145122"/>
+            <a:ext cx="4083433" cy="4083433"/>
+          </a:xfrm>
+          <a:prstGeom prst="arc">
+            <a:avLst/>
+          </a:prstGeom>
+          <a:ln w="127000" cap="rnd">
+            <a:solidFill>
+              <a:schemeClr val="accent4"/>
+            </a:solidFill>
+            <a:prstDash val="dash"/>
+          </a:ln>
+        </p:spPr>
+        <p:style>
+          <a:lnRef idx="1">
+            <a:schemeClr val="accent1"/>
+          </a:lnRef>
+          <a:fillRef idx="0">
+            <a:schemeClr val="accent1"/>
+          </a:fillRef>
+          <a:effectRef idx="0">
+            <a:schemeClr val="accent1"/>
+          </a:effectRef>
+          <a:fontRef idx="minor">
+            <a:schemeClr val="tx1"/>
+          </a:fontRef>
+        </p:style>
+        <p:txBody>
+          <a:bodyPr rtlCol="0" anchor="ctr"/>
+          <a:lstStyle/>
+          <a:p>
+            <a:pPr algn="ctr"/>
+            <a:endParaRPr lang="en-US" dirty="0"/>
+          </a:p>
+        </p:txBody>
+      </p:sp>
+      <p:sp>
+        <p:nvSpPr>
+          <p:cNvPr id="24" name="Freeform: Shape 23">
+            <a:extLst>
+              <a:ext uri="{FF2B5EF4-FFF2-40B4-BE49-F238E27FC236}">
+                <a16:creationId xmlns:a16="http://schemas.microsoft.com/office/drawing/2014/main" id="{3AB72E55-43E4-4356-BFE8-E2102CB0B505}"/>
+              </a:ext>
+              <a:ext uri="{C183D7F6-B498-43B3-948B-1728B52AA6E4}">
+                <adec:decorative xmlns:adec="http://schemas.microsoft.com/office/drawing/2017/decorative" val="1"/>
+              </a:ext>
+            </a:extLst>
+          </p:cNvPr>
+          <p:cNvSpPr>
+            <a:spLocks noGrp="1" noRot="1" noChangeAspect="1" noMove="1" noResize="1" noEditPoints="1" noAdjustHandles="1" noChangeArrowheads="1" noChangeShapeType="1" noTextEdit="1"/>
+          </p:cNvSpPr>
+          <p:nvPr>
+            <p:extLst>
+              <p:ext uri="{386F3935-93C4-4BCD-93E2-E3B085C9AB24}">
+                <p16:designElem xmlns:p16="http://schemas.microsoft.com/office/powerpoint/2015/main" val="1"/>
+              </p:ext>
+            </p:extLst>
+          </p:nvPr>
+        </p:nvSpPr>
+        <p:spPr>
+          <a:xfrm>
+            <a:off x="6821310" y="4962670"/>
+            <a:ext cx="2643352" cy="1895331"/>
+          </a:xfrm>
+          <a:custGeom>
+            <a:avLst/>
+            <a:gdLst>
+              <a:gd name="connsiteX0" fmla="*/ 1321676 w 2643352"/>
+              <a:gd name="connsiteY0" fmla="*/ 0 h 1895331"/>
+              <a:gd name="connsiteX1" fmla="*/ 2643352 w 2643352"/>
+              <a:gd name="connsiteY1" fmla="*/ 1321676 h 1895331"/>
+              <a:gd name="connsiteX2" fmla="*/ 2539488 w 2643352"/>
+              <a:gd name="connsiteY2" fmla="*/ 1836132 h 1895331"/>
+              <a:gd name="connsiteX3" fmla="*/ 2510970 w 2643352"/>
+              <a:gd name="connsiteY3" fmla="*/ 1895331 h 1895331"/>
+              <a:gd name="connsiteX4" fmla="*/ 132382 w 2643352"/>
+              <a:gd name="connsiteY4" fmla="*/ 1895331 h 1895331"/>
+              <a:gd name="connsiteX5" fmla="*/ 103864 w 2643352"/>
+              <a:gd name="connsiteY5" fmla="*/ 1836132 h 1895331"/>
+              <a:gd name="connsiteX6" fmla="*/ 0 w 2643352"/>
+              <a:gd name="connsiteY6" fmla="*/ 1321676 h 1895331"/>
+              <a:gd name="connsiteX7" fmla="*/ 1321676 w 2643352"/>
+              <a:gd name="connsiteY7" fmla="*/ 0 h 1895331"/>
+            </a:gdLst>
+            <a:ahLst/>
+            <a:cxnLst>
+              <a:cxn ang="0">
+                <a:pos x="connsiteX0" y="connsiteY0"/>
+              </a:cxn>
+              <a:cxn ang="0">
+                <a:pos x="connsiteX1" y="connsiteY1"/>
+              </a:cxn>
+              <a:cxn ang="0">
+                <a:pos x="connsiteX2" y="connsiteY2"/>
+              </a:cxn>
+              <a:cxn ang="0">
+                <a:pos x="connsiteX3" y="connsiteY3"/>
+              </a:cxn>
+              <a:cxn ang="0">
+                <a:pos x="connsiteX4" y="connsiteY4"/>
+              </a:cxn>
+              <a:cxn ang="0">
+                <a:pos x="connsiteX5" y="connsiteY5"/>
+              </a:cxn>
+              <a:cxn ang="0">
+                <a:pos x="connsiteX6" y="connsiteY6"/>
+              </a:cxn>
+              <a:cxn ang="0">
+                <a:pos x="connsiteX7" y="connsiteY7"/>
+              </a:cxn>
+            </a:cxnLst>
+            <a:rect l="l" t="t" r="r" b="b"/>
+            <a:pathLst>
+              <a:path w="2643352" h="1895331">
+                <a:moveTo>
+                  <a:pt x="1321676" y="0"/>
+                </a:moveTo>
+                <a:cubicBezTo>
+                  <a:pt x="2051617" y="0"/>
+                  <a:pt x="2643352" y="591735"/>
+                  <a:pt x="2643352" y="1321676"/>
+                </a:cubicBezTo>
+                <a:cubicBezTo>
+                  <a:pt x="2643352" y="1504161"/>
+                  <a:pt x="2606369" y="1678009"/>
+                  <a:pt x="2539488" y="1836132"/>
+                </a:cubicBezTo>
+                <a:lnTo>
+                  <a:pt x="2510970" y="1895331"/>
+                </a:lnTo>
+                <a:lnTo>
+                  <a:pt x="132382" y="1895331"/>
+                </a:lnTo>
+                <a:lnTo>
+                  <a:pt x="103864" y="1836132"/>
+                </a:lnTo>
+                <a:cubicBezTo>
+                  <a:pt x="36984" y="1678009"/>
+                  <a:pt x="0" y="1504161"/>
+                  <a:pt x="0" y="1321676"/>
+                </a:cubicBezTo>
+                <a:cubicBezTo>
+                  <a:pt x="0" y="591735"/>
+                  <a:pt x="591735" y="0"/>
+                  <a:pt x="1321676" y="0"/>
+                </a:cubicBezTo>
+                <a:close/>
+              </a:path>
+            </a:pathLst>
+          </a:custGeom>
+          <a:solidFill>
+            <a:schemeClr val="accent2"/>
+          </a:solidFill>
+          <a:ln>
+            <a:noFill/>
+          </a:ln>
+        </p:spPr>
+        <p:style>
+          <a:lnRef idx="2">
+            <a:schemeClr val="accent1">
+              <a:shade val="50000"/>
+            </a:schemeClr>
+          </a:lnRef>
+          <a:fillRef idx="1">
+            <a:schemeClr val="accent1"/>
+          </a:fillRef>
+          <a:effectRef idx="0">
+            <a:schemeClr val="accent1"/>
+          </a:effectRef>
+          <a:fontRef idx="minor">
+            <a:schemeClr val="lt1"/>
+          </a:fontRef>
+        </p:style>
+        <p:txBody>
+          <a:bodyPr rtlCol="0" anchor="ctr"/>
+          <a:lstStyle/>
+          <a:p>
+            <a:pPr algn="ctr"/>
+            <a:endParaRPr lang="en-US"/>
+          </a:p>
+        </p:txBody>
+      </p:sp>
+    </p:spTree>
+    <p:extLst>
+      <p:ext uri="{BB962C8B-B14F-4D97-AF65-F5344CB8AC3E}">
+        <p14:creationId xmlns:p14="http://schemas.microsoft.com/office/powerpoint/2010/main" val="2283408590"/>
       </p:ext>
     </p:extLst>
   </p:cSld>
